--- a/keda.pptx
+++ b/keda.pptx
@@ -11,8 +11,8 @@
     <p:sldId id="918" r:id="rId5"/>
     <p:sldId id="867" r:id="rId6"/>
     <p:sldId id="920" r:id="rId7"/>
-    <p:sldId id="919" r:id="rId8"/>
-    <p:sldId id="921" r:id="rId9"/>
+    <p:sldId id="921" r:id="rId8"/>
+    <p:sldId id="919" r:id="rId9"/>
     <p:sldId id="922" r:id="rId10"/>
     <p:sldId id="863" r:id="rId11"/>
   </p:sldIdLst>
@@ -121,8 +121,8 @@
             <p14:sldId id="918"/>
             <p14:sldId id="867"/>
             <p14:sldId id="920"/>
+            <p14:sldId id="921"/>
             <p14:sldId id="919"/>
-            <p14:sldId id="921"/>
             <p14:sldId id="922"/>
             <p14:sldId id="863"/>
           </p14:sldIdLst>
@@ -188,29 +188,249 @@
 </p:cmAuthorLst>
 </file>
 
+<file path=ppt/revisionInfo.xml><?xml version="1.0" encoding="utf-8"?>
+<p1510:revInfo xmlns:a="http://schemas.openxmlformats.org/drawingml/2006/main" xmlns:r="http://schemas.openxmlformats.org/officeDocument/2006/relationships" xmlns:p1510="http://schemas.microsoft.com/office/powerpoint/2015/10/main">
+  <p1510:revLst>
+    <p1510:client id="{7A1D851A-9ACC-4B33-94BC-14294AEA305A}" v="5" dt="2023-09-10T12:23:30.337"/>
+  </p1510:revLst>
+</p1510:revInfo>
+</file>
+
 <file path=ppt/changesInfos/changesInfo1.xml><?xml version="1.0" encoding="utf-8"?>
 <pc:chgInfo xmlns:a="http://schemas.openxmlformats.org/drawingml/2006/main" xmlns:r="http://schemas.openxmlformats.org/officeDocument/2006/relationships" xmlns:ac="http://schemas.microsoft.com/office/drawing/2013/main/command" xmlns:pc="http://schemas.microsoft.com/office/powerpoint/2013/main/command">
   <pc:docChgLst>
     <pc:chgData name="Adina Diana Cohen" userId="cf14e8af-0b22-4bdd-940c-c9b2fee0768e" providerId="ADAL" clId="{7A1D851A-9ACC-4B33-94BC-14294AEA305A}"/>
-    <pc:docChg chg="custSel modSld">
-      <pc:chgData name="Adina Diana Cohen" userId="cf14e8af-0b22-4bdd-940c-c9b2fee0768e" providerId="ADAL" clId="{7A1D851A-9ACC-4B33-94BC-14294AEA305A}" dt="2023-09-10T09:20:42.607" v="98" actId="1076"/>
+    <pc:docChg chg="undo custSel addSld delSld modSld sldOrd modSection">
+      <pc:chgData name="Adina Diana Cohen" userId="cf14e8af-0b22-4bdd-940c-c9b2fee0768e" providerId="ADAL" clId="{7A1D851A-9ACC-4B33-94BC-14294AEA305A}" dt="2023-09-10T12:30:37.479" v="468"/>
       <pc:docMkLst>
         <pc:docMk/>
       </pc:docMkLst>
-      <pc:sldChg chg="modSp mod">
-        <pc:chgData name="Adina Diana Cohen" userId="cf14e8af-0b22-4bdd-940c-c9b2fee0768e" providerId="ADAL" clId="{7A1D851A-9ACC-4B33-94BC-14294AEA305A}" dt="2023-09-10T09:20:42.607" v="98" actId="1076"/>
+      <pc:sldChg chg="addSp delSp modSp mod">
+        <pc:chgData name="Adina Diana Cohen" userId="cf14e8af-0b22-4bdd-940c-c9b2fee0768e" providerId="ADAL" clId="{7A1D851A-9ACC-4B33-94BC-14294AEA305A}" dt="2023-09-10T12:30:16.254" v="466" actId="1076"/>
         <pc:sldMkLst>
           <pc:docMk/>
           <pc:sldMk cId="4012476588" sldId="919"/>
         </pc:sldMkLst>
         <pc:spChg chg="mod">
-          <ac:chgData name="Adina Diana Cohen" userId="cf14e8af-0b22-4bdd-940c-c9b2fee0768e" providerId="ADAL" clId="{7A1D851A-9ACC-4B33-94BC-14294AEA305A}" dt="2023-09-10T09:20:42.607" v="98" actId="1076"/>
+          <ac:chgData name="Adina Diana Cohen" userId="cf14e8af-0b22-4bdd-940c-c9b2fee0768e" providerId="ADAL" clId="{7A1D851A-9ACC-4B33-94BC-14294AEA305A}" dt="2023-09-10T11:58:45.264" v="177" actId="20577"/>
+          <ac:spMkLst>
+            <pc:docMk/>
+            <pc:sldMk cId="4012476588" sldId="919"/>
+            <ac:spMk id="2" creationId="{CD5CA8A1-4B92-5F47-83E4-CB8C5AC7A8B0}"/>
+          </ac:spMkLst>
+        </pc:spChg>
+        <pc:spChg chg="mod">
+          <ac:chgData name="Adina Diana Cohen" userId="cf14e8af-0b22-4bdd-940c-c9b2fee0768e" providerId="ADAL" clId="{7A1D851A-9ACC-4B33-94BC-14294AEA305A}" dt="2023-09-10T12:29:48.239" v="459" actId="14100"/>
           <ac:spMkLst>
             <pc:docMk/>
             <pc:sldMk cId="4012476588" sldId="919"/>
             <ac:spMk id="3" creationId="{09D653CE-6E59-8AC3-FBD6-C593C0E17096}"/>
           </ac:spMkLst>
         </pc:spChg>
+        <pc:spChg chg="add mod">
+          <ac:chgData name="Adina Diana Cohen" userId="cf14e8af-0b22-4bdd-940c-c9b2fee0768e" providerId="ADAL" clId="{7A1D851A-9ACC-4B33-94BC-14294AEA305A}" dt="2023-09-10T12:29:54.540" v="460" actId="1076"/>
+          <ac:spMkLst>
+            <pc:docMk/>
+            <pc:sldMk cId="4012476588" sldId="919"/>
+            <ac:spMk id="6" creationId="{D4892D80-480A-3266-BB9C-15E99BF569AF}"/>
+          </ac:spMkLst>
+        </pc:spChg>
+        <pc:picChg chg="add mod ord">
+          <ac:chgData name="Adina Diana Cohen" userId="cf14e8af-0b22-4bdd-940c-c9b2fee0768e" providerId="ADAL" clId="{7A1D851A-9ACC-4B33-94BC-14294AEA305A}" dt="2023-09-10T12:30:13.603" v="465" actId="1076"/>
+          <ac:picMkLst>
+            <pc:docMk/>
+            <pc:sldMk cId="4012476588" sldId="919"/>
+            <ac:picMk id="5" creationId="{BD80EC16-FC2F-C156-40F0-819A8CDCB746}"/>
+          </ac:picMkLst>
+        </pc:picChg>
+        <pc:picChg chg="add del mod">
+          <ac:chgData name="Adina Diana Cohen" userId="cf14e8af-0b22-4bdd-940c-c9b2fee0768e" providerId="ADAL" clId="{7A1D851A-9ACC-4B33-94BC-14294AEA305A}" dt="2023-09-10T12:27:56.236" v="433" actId="478"/>
+          <ac:picMkLst>
+            <pc:docMk/>
+            <pc:sldMk cId="4012476588" sldId="919"/>
+            <ac:picMk id="8" creationId="{6E4C256D-1589-FE8E-827D-67235CA6FCC8}"/>
+          </ac:picMkLst>
+        </pc:picChg>
+        <pc:picChg chg="add del mod">
+          <ac:chgData name="Adina Diana Cohen" userId="cf14e8af-0b22-4bdd-940c-c9b2fee0768e" providerId="ADAL" clId="{7A1D851A-9ACC-4B33-94BC-14294AEA305A}" dt="2023-09-10T12:28:10.894" v="438" actId="478"/>
+          <ac:picMkLst>
+            <pc:docMk/>
+            <pc:sldMk cId="4012476588" sldId="919"/>
+            <ac:picMk id="10" creationId="{8E3D5398-7429-B78F-27D6-707CC5425841}"/>
+          </ac:picMkLst>
+        </pc:picChg>
+        <pc:picChg chg="add mod">
+          <ac:chgData name="Adina Diana Cohen" userId="cf14e8af-0b22-4bdd-940c-c9b2fee0768e" providerId="ADAL" clId="{7A1D851A-9ACC-4B33-94BC-14294AEA305A}" dt="2023-09-10T12:30:16.254" v="466" actId="1076"/>
+          <ac:picMkLst>
+            <pc:docMk/>
+            <pc:sldMk cId="4012476588" sldId="919"/>
+            <ac:picMk id="12" creationId="{445777EE-C76A-89DC-8E48-23F8D8A86C36}"/>
+          </ac:picMkLst>
+        </pc:picChg>
+      </pc:sldChg>
+      <pc:sldChg chg="addSp delSp modSp new mod">
+        <pc:chgData name="Adina Diana Cohen" userId="cf14e8af-0b22-4bdd-940c-c9b2fee0768e" providerId="ADAL" clId="{7A1D851A-9ACC-4B33-94BC-14294AEA305A}" dt="2023-09-10T12:22:31.186" v="354" actId="1076"/>
+        <pc:sldMkLst>
+          <pc:docMk/>
+          <pc:sldMk cId="2775763749" sldId="921"/>
+        </pc:sldMkLst>
+        <pc:spChg chg="mod">
+          <ac:chgData name="Adina Diana Cohen" userId="cf14e8af-0b22-4bdd-940c-c9b2fee0768e" providerId="ADAL" clId="{7A1D851A-9ACC-4B33-94BC-14294AEA305A}" dt="2023-09-10T11:55:25.302" v="150" actId="20577"/>
+          <ac:spMkLst>
+            <pc:docMk/>
+            <pc:sldMk cId="2775763749" sldId="921"/>
+            <ac:spMk id="2" creationId="{A6F92396-9A99-8A4B-81F2-EEE07DEE89BA}"/>
+          </ac:spMkLst>
+        </pc:spChg>
+        <pc:spChg chg="add del mod">
+          <ac:chgData name="Adina Diana Cohen" userId="cf14e8af-0b22-4bdd-940c-c9b2fee0768e" providerId="ADAL" clId="{7A1D851A-9ACC-4B33-94BC-14294AEA305A}" dt="2023-09-10T12:22:28.644" v="353" actId="1076"/>
+          <ac:spMkLst>
+            <pc:docMk/>
+            <pc:sldMk cId="2775763749" sldId="921"/>
+            <ac:spMk id="3" creationId="{662D425C-79A5-B9BC-E1C1-28ECB4A37829}"/>
+          </ac:spMkLst>
+        </pc:spChg>
+        <pc:spChg chg="add del mod">
+          <ac:chgData name="Adina Diana Cohen" userId="cf14e8af-0b22-4bdd-940c-c9b2fee0768e" providerId="ADAL" clId="{7A1D851A-9ACC-4B33-94BC-14294AEA305A}" dt="2023-09-10T12:00:34.304" v="206"/>
+          <ac:spMkLst>
+            <pc:docMk/>
+            <pc:sldMk cId="2775763749" sldId="921"/>
+            <ac:spMk id="8" creationId="{853C1877-CE85-5454-06B4-8877D50D2774}"/>
+          </ac:spMkLst>
+        </pc:spChg>
+        <pc:spChg chg="add mod">
+          <ac:chgData name="Adina Diana Cohen" userId="cf14e8af-0b22-4bdd-940c-c9b2fee0768e" providerId="ADAL" clId="{7A1D851A-9ACC-4B33-94BC-14294AEA305A}" dt="2023-09-10T12:22:31.186" v="354" actId="1076"/>
+          <ac:spMkLst>
+            <pc:docMk/>
+            <pc:sldMk cId="2775763749" sldId="921"/>
+            <ac:spMk id="25" creationId="{569A689A-8517-9D40-E212-194A93C7BB70}"/>
+          </ac:spMkLst>
+        </pc:spChg>
+        <pc:picChg chg="add del mod">
+          <ac:chgData name="Adina Diana Cohen" userId="cf14e8af-0b22-4bdd-940c-c9b2fee0768e" providerId="ADAL" clId="{7A1D851A-9ACC-4B33-94BC-14294AEA305A}" dt="2023-09-10T11:53:55.371" v="106" actId="22"/>
+          <ac:picMkLst>
+            <pc:docMk/>
+            <pc:sldMk cId="2775763749" sldId="921"/>
+            <ac:picMk id="5" creationId="{629DF4EE-0108-4BF7-7166-1E3B543159D8}"/>
+          </ac:picMkLst>
+        </pc:picChg>
+        <pc:picChg chg="add del mod">
+          <ac:chgData name="Adina Diana Cohen" userId="cf14e8af-0b22-4bdd-940c-c9b2fee0768e" providerId="ADAL" clId="{7A1D851A-9ACC-4B33-94BC-14294AEA305A}" dt="2023-09-10T12:10:57.208" v="274" actId="478"/>
+          <ac:picMkLst>
+            <pc:docMk/>
+            <pc:sldMk cId="2775763749" sldId="921"/>
+            <ac:picMk id="7" creationId="{08C8812C-8FE0-7F7E-4BD9-EBA0EFDE0880}"/>
+          </ac:picMkLst>
+        </pc:picChg>
+        <pc:picChg chg="add del mod">
+          <ac:chgData name="Adina Diana Cohen" userId="cf14e8af-0b22-4bdd-940c-c9b2fee0768e" providerId="ADAL" clId="{7A1D851A-9ACC-4B33-94BC-14294AEA305A}" dt="2023-09-10T12:05:18.107" v="241" actId="21"/>
+          <ac:picMkLst>
+            <pc:docMk/>
+            <pc:sldMk cId="2775763749" sldId="921"/>
+            <ac:picMk id="10" creationId="{B8622EBA-1039-E511-234B-E4DD0C488B7C}"/>
+          </ac:picMkLst>
+        </pc:picChg>
+        <pc:picChg chg="add del mod">
+          <ac:chgData name="Adina Diana Cohen" userId="cf14e8af-0b22-4bdd-940c-c9b2fee0768e" providerId="ADAL" clId="{7A1D851A-9ACC-4B33-94BC-14294AEA305A}" dt="2023-09-10T12:03:53.457" v="223" actId="478"/>
+          <ac:picMkLst>
+            <pc:docMk/>
+            <pc:sldMk cId="2775763749" sldId="921"/>
+            <ac:picMk id="12" creationId="{24968831-C6DF-4C83-2918-95ACF988DD4D}"/>
+          </ac:picMkLst>
+        </pc:picChg>
+        <pc:picChg chg="add del mod">
+          <ac:chgData name="Adina Diana Cohen" userId="cf14e8af-0b22-4bdd-940c-c9b2fee0768e" providerId="ADAL" clId="{7A1D851A-9ACC-4B33-94BC-14294AEA305A}" dt="2023-09-10T12:06:32.032" v="262" actId="21"/>
+          <ac:picMkLst>
+            <pc:docMk/>
+            <pc:sldMk cId="2775763749" sldId="921"/>
+            <ac:picMk id="14" creationId="{E527B90A-74DC-EAA6-7068-9212009E2862}"/>
+          </ac:picMkLst>
+        </pc:picChg>
+        <pc:picChg chg="add del mod">
+          <ac:chgData name="Adina Diana Cohen" userId="cf14e8af-0b22-4bdd-940c-c9b2fee0768e" providerId="ADAL" clId="{7A1D851A-9ACC-4B33-94BC-14294AEA305A}" dt="2023-09-10T12:06:29.702" v="260" actId="22"/>
+          <ac:picMkLst>
+            <pc:docMk/>
+            <pc:sldMk cId="2775763749" sldId="921"/>
+            <ac:picMk id="16" creationId="{0AE9C0D6-BE68-5142-3590-EB2D2FF87A40}"/>
+          </ac:picMkLst>
+        </pc:picChg>
+        <pc:picChg chg="add del mod">
+          <ac:chgData name="Adina Diana Cohen" userId="cf14e8af-0b22-4bdd-940c-c9b2fee0768e" providerId="ADAL" clId="{7A1D851A-9ACC-4B33-94BC-14294AEA305A}" dt="2023-09-10T12:08:58.282" v="266" actId="478"/>
+          <ac:picMkLst>
+            <pc:docMk/>
+            <pc:sldMk cId="2775763749" sldId="921"/>
+            <ac:picMk id="18" creationId="{4477F880-7F7C-C5A5-F0D8-6574B33B1372}"/>
+          </ac:picMkLst>
+        </pc:picChg>
+        <pc:picChg chg="add del mod">
+          <ac:chgData name="Adina Diana Cohen" userId="cf14e8af-0b22-4bdd-940c-c9b2fee0768e" providerId="ADAL" clId="{7A1D851A-9ACC-4B33-94BC-14294AEA305A}" dt="2023-09-10T12:09:03.473" v="270" actId="478"/>
+          <ac:picMkLst>
+            <pc:docMk/>
+            <pc:sldMk cId="2775763749" sldId="921"/>
+            <ac:picMk id="20" creationId="{D0EC9B9C-10C5-5B94-86A0-BBAAEBBDCBB4}"/>
+          </ac:picMkLst>
+        </pc:picChg>
+        <pc:picChg chg="add mod">
+          <ac:chgData name="Adina Diana Cohen" userId="cf14e8af-0b22-4bdd-940c-c9b2fee0768e" providerId="ADAL" clId="{7A1D851A-9ACC-4B33-94BC-14294AEA305A}" dt="2023-09-10T12:21:42.335" v="340" actId="1076"/>
+          <ac:picMkLst>
+            <pc:docMk/>
+            <pc:sldMk cId="2775763749" sldId="921"/>
+            <ac:picMk id="22" creationId="{14D68D16-F505-6087-53F7-0CD810112310}"/>
+          </ac:picMkLst>
+        </pc:picChg>
+        <pc:picChg chg="add mod">
+          <ac:chgData name="Adina Diana Cohen" userId="cf14e8af-0b22-4bdd-940c-c9b2fee0768e" providerId="ADAL" clId="{7A1D851A-9ACC-4B33-94BC-14294AEA305A}" dt="2023-09-10T12:22:14.974" v="350" actId="1076"/>
+          <ac:picMkLst>
+            <pc:docMk/>
+            <pc:sldMk cId="2775763749" sldId="921"/>
+            <ac:picMk id="24" creationId="{7E640ECE-1CBF-63DE-0424-D65F376BC406}"/>
+          </ac:picMkLst>
+        </pc:picChg>
+      </pc:sldChg>
+      <pc:sldChg chg="del">
+        <pc:chgData name="Adina Diana Cohen" userId="cf14e8af-0b22-4bdd-940c-c9b2fee0768e" providerId="ADAL" clId="{7A1D851A-9ACC-4B33-94BC-14294AEA305A}" dt="2023-09-10T09:40:45.540" v="99" actId="47"/>
+        <pc:sldMkLst>
+          <pc:docMk/>
+          <pc:sldMk cId="3213987554" sldId="921"/>
+        </pc:sldMkLst>
+      </pc:sldChg>
+      <pc:sldChg chg="del">
+        <pc:chgData name="Adina Diana Cohen" userId="cf14e8af-0b22-4bdd-940c-c9b2fee0768e" providerId="ADAL" clId="{7A1D851A-9ACC-4B33-94BC-14294AEA305A}" dt="2023-09-10T09:40:46.726" v="100" actId="47"/>
+        <pc:sldMkLst>
+          <pc:docMk/>
+          <pc:sldMk cId="480081740" sldId="922"/>
+        </pc:sldMkLst>
+      </pc:sldChg>
+      <pc:sldChg chg="addSp delSp modSp new mod ord">
+        <pc:chgData name="Adina Diana Cohen" userId="cf14e8af-0b22-4bdd-940c-c9b2fee0768e" providerId="ADAL" clId="{7A1D851A-9ACC-4B33-94BC-14294AEA305A}" dt="2023-09-10T12:30:37.479" v="468"/>
+        <pc:sldMkLst>
+          <pc:docMk/>
+          <pc:sldMk cId="1013814646" sldId="922"/>
+        </pc:sldMkLst>
+        <pc:spChg chg="add del">
+          <ac:chgData name="Adina Diana Cohen" userId="cf14e8af-0b22-4bdd-940c-c9b2fee0768e" providerId="ADAL" clId="{7A1D851A-9ACC-4B33-94BC-14294AEA305A}" dt="2023-09-10T11:57:32.882" v="167" actId="478"/>
+          <ac:spMkLst>
+            <pc:docMk/>
+            <pc:sldMk cId="1013814646" sldId="922"/>
+            <ac:spMk id="2" creationId="{EF8069C1-4272-7CD4-55B7-1FF733B21A59}"/>
+          </ac:spMkLst>
+        </pc:spChg>
+        <pc:spChg chg="del">
+          <ac:chgData name="Adina Diana Cohen" userId="cf14e8af-0b22-4bdd-940c-c9b2fee0768e" providerId="ADAL" clId="{7A1D851A-9ACC-4B33-94BC-14294AEA305A}" dt="2023-09-10T11:56:58.451" v="154" actId="478"/>
+          <ac:spMkLst>
+            <pc:docMk/>
+            <pc:sldMk cId="1013814646" sldId="922"/>
+            <ac:spMk id="3" creationId="{C7F1B8D6-5830-0C06-EBA1-E8CB1EC974DF}"/>
+          </ac:spMkLst>
+        </pc:spChg>
+        <pc:picChg chg="add mod">
+          <ac:chgData name="Adina Diana Cohen" userId="cf14e8af-0b22-4bdd-940c-c9b2fee0768e" providerId="ADAL" clId="{7A1D851A-9ACC-4B33-94BC-14294AEA305A}" dt="2023-09-10T11:57:40.657" v="168" actId="1076"/>
+          <ac:picMkLst>
+            <pc:docMk/>
+            <pc:sldMk cId="1013814646" sldId="922"/>
+            <ac:picMk id="5" creationId="{D62C8F82-17E6-73C8-ED83-D8CA9AF3FE05}"/>
+          </ac:picMkLst>
+        </pc:picChg>
       </pc:sldChg>
     </pc:docChg>
   </pc:docChgLst>
@@ -7881,7 +8101,7 @@
           <p:cNvPr id="2" name="Title 1">
             <a:extLst>
               <a:ext uri="{FF2B5EF4-FFF2-40B4-BE49-F238E27FC236}">
-                <a16:creationId xmlns:a16="http://schemas.microsoft.com/office/drawing/2014/main" id="{CD5CA8A1-4B92-5F47-83E4-CB8C5AC7A8B0}"/>
+                <a16:creationId xmlns:a16="http://schemas.microsoft.com/office/drawing/2014/main" id="{A6F92396-9A99-8A4B-81F2-EEE07DEE89BA}"/>
               </a:ext>
             </a:extLst>
           </p:cNvPr>
@@ -7894,22 +8114,12 @@
         </p:nvSpPr>
         <p:spPr/>
         <p:txBody>
-          <a:bodyPr>
-            <a:normAutofit/>
-          </a:bodyPr>
+          <a:bodyPr/>
           <a:lstStyle/>
           <a:p>
             <a:r>
-              <a:rPr lang="en-US" sz="4000" dirty="0"/>
-              <a:t>Deployment (</a:t>
-            </a:r>
-            <a:r>
-              <a:rPr lang="en-US" sz="4000" dirty="0" err="1"/>
-              <a:t>yaml</a:t>
-            </a:r>
-            <a:r>
-              <a:rPr lang="en-US" sz="4000" dirty="0"/>
-              <a:t> files)</a:t>
+              <a:rPr lang="en-US" dirty="0"/>
+              <a:t>Authentication</a:t>
             </a:r>
           </a:p>
         </p:txBody>
@@ -7919,7 +8129,7 @@
           <p:cNvPr id="3" name="Content Placeholder 2">
             <a:extLst>
               <a:ext uri="{FF2B5EF4-FFF2-40B4-BE49-F238E27FC236}">
-                <a16:creationId xmlns:a16="http://schemas.microsoft.com/office/drawing/2014/main" id="{09D653CE-6E59-8AC3-FBD6-C593C0E17096}"/>
+                <a16:creationId xmlns:a16="http://schemas.microsoft.com/office/drawing/2014/main" id="{662D425C-79A5-B9BC-E1C1-28ECB4A37829}"/>
               </a:ext>
             </a:extLst>
           </p:cNvPr>
@@ -7932,8 +8142,8 @@
         </p:nvSpPr>
         <p:spPr>
           <a:xfrm>
-            <a:off x="838200" y="1829521"/>
-            <a:ext cx="10515600" cy="3510230"/>
+            <a:off x="2148926" y="2640908"/>
+            <a:ext cx="9581923" cy="570971"/>
           </a:xfrm>
         </p:spPr>
         <p:txBody>
@@ -7942,98 +8152,140 @@
           </a:bodyPr>
           <a:lstStyle/>
           <a:p>
-            <a:pPr marL="342900" indent="-342900">
-              <a:buFont typeface="Arial" panose="020B0604020202020204" pitchFamily="34" charset="0"/>
-              <a:buChar char="•"/>
-            </a:pPr>
             <a:r>
               <a:rPr lang="en-US" sz="2400" dirty="0"/>
-              <a:t>Secret: with an azure service bus connection string</a:t>
+              <a:t>Secret: configured with an azure service bus connection string</a:t>
             </a:r>
           </a:p>
           <a:p>
-            <a:pPr marL="342900" indent="-342900">
-              <a:buFont typeface="Arial" panose="020B0604020202020204" pitchFamily="34" charset="0"/>
-              <a:buChar char="•"/>
-            </a:pPr>
+            <a:endParaRPr lang="en-US" dirty="0"/>
+          </a:p>
+        </p:txBody>
+      </p:sp>
+      <p:pic>
+        <p:nvPicPr>
+          <p:cNvPr id="22" name="Picture 21">
+            <a:extLst>
+              <a:ext uri="{FF2B5EF4-FFF2-40B4-BE49-F238E27FC236}">
+                <a16:creationId xmlns:a16="http://schemas.microsoft.com/office/drawing/2014/main" id="{14D68D16-F505-6087-53F7-0CD810112310}"/>
+              </a:ext>
+            </a:extLst>
+          </p:cNvPr>
+          <p:cNvPicPr>
+            <a:picLocks noChangeAspect="1"/>
+          </p:cNvPicPr>
+          <p:nvPr/>
+        </p:nvPicPr>
+        <p:blipFill>
+          <a:blip r:embed="rId2"/>
+          <a:stretch>
+            <a:fillRect/>
+          </a:stretch>
+        </p:blipFill>
+        <p:spPr>
+          <a:xfrm>
+            <a:off x="257081" y="3790042"/>
+            <a:ext cx="1765862" cy="1703537"/>
+          </a:xfrm>
+          <a:prstGeom prst="rect">
+            <a:avLst/>
+          </a:prstGeom>
+        </p:spPr>
+      </p:pic>
+      <p:pic>
+        <p:nvPicPr>
+          <p:cNvPr id="24" name="Picture 23">
+            <a:extLst>
+              <a:ext uri="{FF2B5EF4-FFF2-40B4-BE49-F238E27FC236}">
+                <a16:creationId xmlns:a16="http://schemas.microsoft.com/office/drawing/2014/main" id="{7E640ECE-1CBF-63DE-0424-D65F376BC406}"/>
+              </a:ext>
+            </a:extLst>
+          </p:cNvPr>
+          <p:cNvPicPr>
+            <a:picLocks noChangeAspect="1"/>
+          </p:cNvPicPr>
+          <p:nvPr/>
+        </p:nvPicPr>
+        <p:blipFill>
+          <a:blip r:embed="rId3"/>
+          <a:stretch>
+            <a:fillRect/>
+          </a:stretch>
+        </p:blipFill>
+        <p:spPr>
+          <a:xfrm>
+            <a:off x="308436" y="1909333"/>
+            <a:ext cx="1663151" cy="1703537"/>
+          </a:xfrm>
+          <a:prstGeom prst="rect">
+            <a:avLst/>
+          </a:prstGeom>
+        </p:spPr>
+      </p:pic>
+      <p:sp>
+        <p:nvSpPr>
+          <p:cNvPr id="25" name="TextBox 24">
+            <a:extLst>
+              <a:ext uri="{FF2B5EF4-FFF2-40B4-BE49-F238E27FC236}">
+                <a16:creationId xmlns:a16="http://schemas.microsoft.com/office/drawing/2014/main" id="{569A689A-8517-9D40-E212-194A93C7BB70}"/>
+              </a:ext>
+            </a:extLst>
+          </p:cNvPr>
+          <p:cNvSpPr txBox="1"/>
+          <p:nvPr/>
+        </p:nvSpPr>
+        <p:spPr>
+          <a:xfrm>
+            <a:off x="2148926" y="4475165"/>
+            <a:ext cx="9020546" cy="738664"/>
+          </a:xfrm>
+          <a:prstGeom prst="rect">
+            <a:avLst/>
+          </a:prstGeom>
+          <a:noFill/>
+        </p:spPr>
+        <p:txBody>
+          <a:bodyPr wrap="none" rtlCol="0">
+            <a:spAutoFit/>
+          </a:bodyPr>
+          <a:lstStyle/>
+          <a:p>
             <a:r>
-              <a:rPr lang="en-US" sz="2400" dirty="0" err="1"/>
+              <a:rPr lang="en-US" sz="2400" dirty="0" err="1">
+                <a:solidFill>
+                  <a:schemeClr val="tx1">
+                    <a:lumMod val="65000"/>
+                    <a:lumOff val="35000"/>
+                  </a:schemeClr>
+                </a:solidFill>
+                <a:latin typeface="Calibri" panose="020F0502020204030204" pitchFamily="34" charset="0"/>
+                <a:cs typeface="Calibri" panose="020F0502020204030204" pitchFamily="34" charset="0"/>
+              </a:rPr>
               <a:t>TriggerAuthentication</a:t>
             </a:r>
             <a:r>
-              <a:rPr lang="en-US" sz="2400" dirty="0"/>
-              <a:t>: to consume the connection string from the secret</a:t>
+              <a:rPr lang="en-US" sz="2400" dirty="0">
+                <a:solidFill>
+                  <a:schemeClr val="tx1">
+                    <a:lumMod val="65000"/>
+                    <a:lumOff val="35000"/>
+                  </a:schemeClr>
+                </a:solidFill>
+                <a:latin typeface="Calibri" panose="020F0502020204030204" pitchFamily="34" charset="0"/>
+                <a:cs typeface="Calibri" panose="020F0502020204030204" pitchFamily="34" charset="0"/>
+              </a:rPr>
+              <a:t>: consumes the connection string from the secret</a:t>
             </a:r>
           </a:p>
           <a:p>
-            <a:pPr marL="342900" indent="-342900">
-              <a:buFont typeface="Arial" panose="020B0604020202020204" pitchFamily="34" charset="0"/>
-              <a:buChar char="•"/>
-            </a:pPr>
-            <a:r>
-              <a:rPr lang="en-US" sz="2400" dirty="0" err="1"/>
-              <a:t>ScaledObject</a:t>
-            </a:r>
-            <a:r>
-              <a:rPr lang="en-US" sz="2400" dirty="0"/>
-              <a:t>: to scale the pods up and down according the triggers configured,</a:t>
-            </a:r>
-          </a:p>
-          <a:p>
-            <a:r>
-              <a:rPr lang="en-US" sz="2400" dirty="0"/>
-              <a:t>     it authenticates with the </a:t>
-            </a:r>
-            <a:r>
-              <a:rPr lang="en-US" sz="2400" dirty="0" err="1"/>
-              <a:t>TriggerAuthentication</a:t>
-            </a:r>
-            <a:r>
-              <a:rPr lang="en-US" sz="2400" dirty="0"/>
-              <a:t> resource</a:t>
-            </a:r>
-          </a:p>
-          <a:p>
-            <a:pPr marL="342900" indent="-342900">
-              <a:buFont typeface="Arial" panose="020B0604020202020204" pitchFamily="34" charset="0"/>
-              <a:buChar char="•"/>
-            </a:pPr>
-            <a:r>
-              <a:rPr lang="en-US" sz="2400" dirty="0"/>
-              <a:t>Configuring the deployment with the secret </a:t>
-            </a:r>
-            <a:r>
-              <a:rPr lang="en-US" sz="2400" dirty="0" err="1"/>
-              <a:t>envFrom</a:t>
-            </a:r>
-            <a:r>
-              <a:rPr lang="en-US" sz="2400" dirty="0"/>
-              <a:t>, to consume the connection string</a:t>
-            </a:r>
-          </a:p>
-          <a:p>
-            <a:endParaRPr lang="en-US" sz="100" dirty="0"/>
-          </a:p>
-          <a:p>
-            <a:r>
-              <a:rPr lang="en-US" sz="2400" dirty="0"/>
-              <a:t>The </a:t>
-            </a:r>
-            <a:r>
-              <a:rPr lang="en-US" sz="2400" dirty="0" err="1"/>
-              <a:t>yaml</a:t>
-            </a:r>
-            <a:r>
-              <a:rPr lang="en-US" sz="2400" dirty="0"/>
-              <a:t> files should be changed in the relevant repository</a:t>
-            </a:r>
+            <a:endParaRPr lang="en-US" dirty="0"/>
           </a:p>
         </p:txBody>
       </p:sp>
     </p:spTree>
     <p:extLst>
       <p:ext uri="{BB962C8B-B14F-4D97-AF65-F5344CB8AC3E}">
-        <p14:creationId xmlns:p14="http://schemas.microsoft.com/office/powerpoint/2010/main" val="4012476588"/>
+        <p14:creationId xmlns:p14="http://schemas.microsoft.com/office/powerpoint/2010/main" val="2775763749"/>
       </p:ext>
     </p:extLst>
   </p:cSld>
@@ -8060,12 +8312,42 @@
           <a:chExt cx="0" cy="0"/>
         </a:xfrm>
       </p:grpSpPr>
+      <p:pic>
+        <p:nvPicPr>
+          <p:cNvPr id="5" name="Picture 4">
+            <a:extLst>
+              <a:ext uri="{FF2B5EF4-FFF2-40B4-BE49-F238E27FC236}">
+                <a16:creationId xmlns:a16="http://schemas.microsoft.com/office/drawing/2014/main" id="{BD80EC16-FC2F-C156-40F0-819A8CDCB746}"/>
+              </a:ext>
+            </a:extLst>
+          </p:cNvPr>
+          <p:cNvPicPr>
+            <a:picLocks noChangeAspect="1"/>
+          </p:cNvPicPr>
+          <p:nvPr/>
+        </p:nvPicPr>
+        <p:blipFill>
+          <a:blip r:embed="rId2"/>
+          <a:stretch>
+            <a:fillRect/>
+          </a:stretch>
+        </p:blipFill>
+        <p:spPr>
+          <a:xfrm>
+            <a:off x="549117" y="2314265"/>
+            <a:ext cx="1878207" cy="1862997"/>
+          </a:xfrm>
+          <a:prstGeom prst="rect">
+            <a:avLst/>
+          </a:prstGeom>
+        </p:spPr>
+      </p:pic>
       <p:sp>
         <p:nvSpPr>
           <p:cNvPr id="2" name="Title 1">
             <a:extLst>
               <a:ext uri="{FF2B5EF4-FFF2-40B4-BE49-F238E27FC236}">
-                <a16:creationId xmlns:a16="http://schemas.microsoft.com/office/drawing/2014/main" id="{6C0A9AC1-CD37-2897-B89A-E4C1AB506B89}"/>
+                <a16:creationId xmlns:a16="http://schemas.microsoft.com/office/drawing/2014/main" id="{CD5CA8A1-4B92-5F47-83E4-CB8C5AC7A8B0}"/>
               </a:ext>
             </a:extLst>
           </p:cNvPr>
@@ -8078,84 +8360,175 @@
         </p:nvSpPr>
         <p:spPr/>
         <p:txBody>
-          <a:bodyPr/>
+          <a:bodyPr>
+            <a:normAutofit/>
+          </a:bodyPr>
           <a:lstStyle/>
           <a:p>
             <a:r>
-              <a:rPr lang="en-US" dirty="0" err="1"/>
-              <a:t>Kubectl</a:t>
+              <a:rPr lang="en-US" sz="4000" dirty="0"/>
+              <a:t>Deployment</a:t>
+            </a:r>
+          </a:p>
+        </p:txBody>
+      </p:sp>
+      <p:sp>
+        <p:nvSpPr>
+          <p:cNvPr id="3" name="Content Placeholder 2">
+            <a:extLst>
+              <a:ext uri="{FF2B5EF4-FFF2-40B4-BE49-F238E27FC236}">
+                <a16:creationId xmlns:a16="http://schemas.microsoft.com/office/drawing/2014/main" id="{09D653CE-6E59-8AC3-FBD6-C593C0E17096}"/>
+              </a:ext>
+            </a:extLst>
+          </p:cNvPr>
+          <p:cNvSpPr>
+            <a:spLocks noGrp="1"/>
+          </p:cNvSpPr>
+          <p:nvPr>
+            <p:ph idx="1"/>
+          </p:nvPr>
+        </p:nvSpPr>
+        <p:spPr>
+          <a:xfrm>
+            <a:off x="549117" y="4621553"/>
+            <a:ext cx="10161917" cy="1278915"/>
+          </a:xfrm>
+        </p:spPr>
+        <p:txBody>
+          <a:bodyPr>
+            <a:noAutofit/>
+          </a:bodyPr>
+          <a:lstStyle/>
+          <a:p>
+            <a:r>
+              <a:rPr lang="en-US" sz="2400" dirty="0" err="1"/>
+              <a:t>ScaledObject</a:t>
             </a:r>
             <a:r>
-              <a:rPr lang="en-US" dirty="0"/>
-              <a:t> commands</a:t>
+              <a:rPr lang="en-US" sz="2400" dirty="0"/>
+              <a:t>:</a:t>
+            </a:r>
+          </a:p>
+          <a:p>
+            <a:r>
+              <a:rPr lang="en-US" sz="2400" dirty="0"/>
+              <a:t>Scales the pods up and down according the triggers configured, it authenticates with the </a:t>
+            </a:r>
+            <a:r>
+              <a:rPr lang="en-US" sz="2400" dirty="0" err="1"/>
+              <a:t>TriggerAuthentication</a:t>
+            </a:r>
+            <a:r>
+              <a:rPr lang="en-US" sz="2400" dirty="0"/>
+              <a:t> resource</a:t>
+            </a:r>
+          </a:p>
+        </p:txBody>
+      </p:sp>
+      <p:sp>
+        <p:nvSpPr>
+          <p:cNvPr id="6" name="TextBox 5">
+            <a:extLst>
+              <a:ext uri="{FF2B5EF4-FFF2-40B4-BE49-F238E27FC236}">
+                <a16:creationId xmlns:a16="http://schemas.microsoft.com/office/drawing/2014/main" id="{D4892D80-480A-3266-BB9C-15E99BF569AF}"/>
+              </a:ext>
+            </a:extLst>
+          </p:cNvPr>
+          <p:cNvSpPr txBox="1"/>
+          <p:nvPr/>
+        </p:nvSpPr>
+        <p:spPr>
+          <a:xfrm>
+            <a:off x="529444" y="1728596"/>
+            <a:ext cx="11133112" cy="461665"/>
+          </a:xfrm>
+          <a:prstGeom prst="rect">
+            <a:avLst/>
+          </a:prstGeom>
+          <a:noFill/>
+        </p:spPr>
+        <p:txBody>
+          <a:bodyPr wrap="none" rtlCol="0">
+            <a:spAutoFit/>
+          </a:bodyPr>
+          <a:lstStyle/>
+          <a:p>
+            <a:r>
+              <a:rPr lang="en-US" sz="2400" dirty="0">
+                <a:solidFill>
+                  <a:schemeClr val="tx1">
+                    <a:lumMod val="65000"/>
+                    <a:lumOff val="35000"/>
+                  </a:schemeClr>
+                </a:solidFill>
+                <a:latin typeface="Calibri" panose="020F0502020204030204" pitchFamily="34" charset="0"/>
+                <a:cs typeface="Calibri" panose="020F0502020204030204" pitchFamily="34" charset="0"/>
+              </a:rPr>
+              <a:t>Configuring the deployment with the secret </a:t>
+            </a:r>
+            <a:r>
+              <a:rPr lang="en-US" sz="2400" dirty="0" err="1">
+                <a:solidFill>
+                  <a:schemeClr val="tx1">
+                    <a:lumMod val="65000"/>
+                    <a:lumOff val="35000"/>
+                  </a:schemeClr>
+                </a:solidFill>
+                <a:latin typeface="Calibri" panose="020F0502020204030204" pitchFamily="34" charset="0"/>
+                <a:cs typeface="Calibri" panose="020F0502020204030204" pitchFamily="34" charset="0"/>
+              </a:rPr>
+              <a:t>envFrom</a:t>
+            </a:r>
+            <a:r>
+              <a:rPr lang="en-US" sz="2400" dirty="0">
+                <a:solidFill>
+                  <a:schemeClr val="tx1">
+                    <a:lumMod val="65000"/>
+                    <a:lumOff val="35000"/>
+                  </a:schemeClr>
+                </a:solidFill>
+                <a:latin typeface="Calibri" panose="020F0502020204030204" pitchFamily="34" charset="0"/>
+                <a:cs typeface="Calibri" panose="020F0502020204030204" pitchFamily="34" charset="0"/>
+              </a:rPr>
+              <a:t>, to consume the connection string</a:t>
             </a:r>
           </a:p>
         </p:txBody>
       </p:sp>
       <p:pic>
         <p:nvPicPr>
-          <p:cNvPr id="1026" name="Picture 12">
+          <p:cNvPr id="12" name="Picture 11">
             <a:extLst>
               <a:ext uri="{FF2B5EF4-FFF2-40B4-BE49-F238E27FC236}">
-                <a16:creationId xmlns:a16="http://schemas.microsoft.com/office/drawing/2014/main" id="{BB0F4625-E971-47B3-1F01-34B8DF7C3447}"/>
+                <a16:creationId xmlns:a16="http://schemas.microsoft.com/office/drawing/2014/main" id="{445777EE-C76A-89DC-8E48-23F8D8A86C36}"/>
               </a:ext>
             </a:extLst>
           </p:cNvPr>
           <p:cNvPicPr>
-            <a:picLocks noChangeAspect="1" noChangeArrowheads="1"/>
+            <a:picLocks noChangeAspect="1"/>
           </p:cNvPicPr>
           <p:nvPr/>
         </p:nvPicPr>
         <p:blipFill>
-          <a:blip r:embed="rId2">
-            <a:extLst>
-              <a:ext uri="{28A0092B-C50C-407E-A947-70E740481C1C}">
-                <a14:useLocalDpi xmlns:a14="http://schemas.microsoft.com/office/drawing/2010/main" val="0"/>
-              </a:ext>
-            </a:extLst>
-          </a:blip>
-          <a:srcRect/>
+          <a:blip r:embed="rId3"/>
           <a:stretch>
             <a:fillRect/>
           </a:stretch>
         </p:blipFill>
-        <p:spPr bwMode="auto">
+        <p:spPr>
           <a:xfrm>
-            <a:off x="64655" y="1468582"/>
-            <a:ext cx="12053453" cy="4433454"/>
+            <a:off x="2835738" y="2360451"/>
+            <a:ext cx="3553035" cy="2137098"/>
           </a:xfrm>
           <a:prstGeom prst="rect">
             <a:avLst/>
           </a:prstGeom>
-          <a:noFill/>
-          <a:ln>
-            <a:noFill/>
-          </a:ln>
-          <a:extLst>
-            <a:ext uri="{909E8E84-426E-40DD-AFC4-6F175D3DCCD1}">
-              <a14:hiddenFill xmlns:a14="http://schemas.microsoft.com/office/drawing/2010/main">
-                <a:solidFill>
-                  <a:srgbClr val="FFFFFF"/>
-                </a:solidFill>
-              </a14:hiddenFill>
-            </a:ext>
-            <a:ext uri="{91240B29-F687-4F45-9708-019B960494DF}">
-              <a14:hiddenLine xmlns:a14="http://schemas.microsoft.com/office/drawing/2010/main" w="9525">
-                <a:solidFill>
-                  <a:srgbClr val="000000"/>
-                </a:solidFill>
-                <a:miter lim="800000"/>
-                <a:headEnd/>
-                <a:tailEnd/>
-              </a14:hiddenLine>
-            </a:ext>
-          </a:extLst>
         </p:spPr>
       </p:pic>
     </p:spTree>
     <p:extLst>
       <p:ext uri="{BB962C8B-B14F-4D97-AF65-F5344CB8AC3E}">
-        <p14:creationId xmlns:p14="http://schemas.microsoft.com/office/powerpoint/2010/main" val="3213987554"/>
+        <p14:creationId xmlns:p14="http://schemas.microsoft.com/office/powerpoint/2010/main" val="4012476588"/>
       </p:ext>
     </p:extLst>
   </p:cSld>
@@ -8182,98 +8555,40 @@
           <a:chExt cx="0" cy="0"/>
         </a:xfrm>
       </p:grpSpPr>
-      <p:sp>
-        <p:nvSpPr>
-          <p:cNvPr id="2" name="Title 1">
+      <p:pic>
+        <p:nvPicPr>
+          <p:cNvPr id="5" name="Picture 4">
             <a:extLst>
               <a:ext uri="{FF2B5EF4-FFF2-40B4-BE49-F238E27FC236}">
-                <a16:creationId xmlns:a16="http://schemas.microsoft.com/office/drawing/2014/main" id="{C0292BF2-8514-58D6-3517-3E1C8C04AB99}"/>
-              </a:ext>
-            </a:extLst>
-          </p:cNvPr>
-          <p:cNvSpPr>
-            <a:spLocks noGrp="1"/>
-          </p:cNvSpPr>
-          <p:nvPr>
-            <p:ph type="title"/>
-          </p:nvPr>
-        </p:nvSpPr>
-        <p:spPr/>
-        <p:txBody>
-          <a:bodyPr/>
-          <a:lstStyle/>
-          <a:p>
-            <a:r>
-              <a:rPr lang="en-US" dirty="0"/>
-              <a:t>Rancher</a:t>
-            </a:r>
-          </a:p>
-        </p:txBody>
-      </p:sp>
-      <p:pic>
-        <p:nvPicPr>
-          <p:cNvPr id="2050" name="Picture 11">
-            <a:extLst>
-              <a:ext uri="{FF2B5EF4-FFF2-40B4-BE49-F238E27FC236}">
-                <a16:creationId xmlns:a16="http://schemas.microsoft.com/office/drawing/2014/main" id="{597E2A7F-C29B-A90E-09F2-EB9A6CF037C7}"/>
+                <a16:creationId xmlns:a16="http://schemas.microsoft.com/office/drawing/2014/main" id="{D62C8F82-17E6-73C8-ED83-D8CA9AF3FE05}"/>
               </a:ext>
             </a:extLst>
           </p:cNvPr>
           <p:cNvPicPr>
-            <a:picLocks noChangeAspect="1" noChangeArrowheads="1"/>
+            <a:picLocks noChangeAspect="1"/>
           </p:cNvPicPr>
           <p:nvPr/>
         </p:nvPicPr>
         <p:blipFill>
-          <a:blip r:embed="rId2">
-            <a:extLst>
-              <a:ext uri="{28A0092B-C50C-407E-A947-70E740481C1C}">
-                <a14:useLocalDpi xmlns:a14="http://schemas.microsoft.com/office/drawing/2010/main" val="0"/>
-              </a:ext>
-            </a:extLst>
-          </a:blip>
-          <a:srcRect/>
+          <a:blip r:embed="rId2"/>
           <a:stretch>
             <a:fillRect/>
           </a:stretch>
         </p:blipFill>
-        <p:spPr bwMode="auto">
+        <p:spPr>
           <a:xfrm>
-            <a:off x="64655" y="1505527"/>
-            <a:ext cx="11998036" cy="4405746"/>
+            <a:off x="1845894" y="0"/>
+            <a:ext cx="7430537" cy="5934903"/>
           </a:xfrm>
           <a:prstGeom prst="rect">
             <a:avLst/>
           </a:prstGeom>
-          <a:noFill/>
-          <a:ln>
-            <a:noFill/>
-          </a:ln>
-          <a:extLst>
-            <a:ext uri="{909E8E84-426E-40DD-AFC4-6F175D3DCCD1}">
-              <a14:hiddenFill xmlns:a14="http://schemas.microsoft.com/office/drawing/2010/main">
-                <a:solidFill>
-                  <a:srgbClr val="FFFFFF"/>
-                </a:solidFill>
-              </a14:hiddenFill>
-            </a:ext>
-            <a:ext uri="{91240B29-F687-4F45-9708-019B960494DF}">
-              <a14:hiddenLine xmlns:a14="http://schemas.microsoft.com/office/drawing/2010/main" w="9525">
-                <a:solidFill>
-                  <a:srgbClr val="000000"/>
-                </a:solidFill>
-                <a:miter lim="800000"/>
-                <a:headEnd/>
-                <a:tailEnd/>
-              </a14:hiddenLine>
-            </a:ext>
-          </a:extLst>
         </p:spPr>
       </p:pic>
     </p:spTree>
     <p:extLst>
       <p:ext uri="{BB962C8B-B14F-4D97-AF65-F5344CB8AC3E}">
-        <p14:creationId xmlns:p14="http://schemas.microsoft.com/office/powerpoint/2010/main" val="480081740"/>
+        <p14:creationId xmlns:p14="http://schemas.microsoft.com/office/powerpoint/2010/main" val="1013814646"/>
       </p:ext>
     </p:extLst>
   </p:cSld>
@@ -8962,21 +9277,6 @@
 </file>
 
 <file path=customXml/item1.xml><?xml version="1.0" encoding="utf-8"?>
-<p:properties xmlns:p="http://schemas.microsoft.com/office/2006/metadata/properties" xmlns:xsi="http://www.w3.org/2001/XMLSchema-instance" xmlns:pc="http://schemas.microsoft.com/office/infopath/2007/PartnerControls">
-  <documentManagement/>
-</p:properties>
-</file>
-
-<file path=customXml/item2.xml><?xml version="1.0" encoding="utf-8"?>
-<?mso-contentType ?>
-<FormTemplates xmlns="http://schemas.microsoft.com/sharepoint/v3/contenttype/forms">
-  <Display>DocumentLibraryForm</Display>
-  <Edit>DocumentLibraryForm</Edit>
-  <New>DocumentLibraryForm</New>
-</FormTemplates>
-</file>
-
-<file path=customXml/item3.xml><?xml version="1.0" encoding="utf-8"?>
 <ct:contentTypeSchema xmlns:ct="http://schemas.microsoft.com/office/2006/metadata/contentType" xmlns:ma="http://schemas.microsoft.com/office/2006/metadata/properties/metaAttributes" ct:_="" ma:_="" ma:contentTypeName="Document" ma:contentTypeID="0x0101002F8C640EA6DE6C4297C2B9751F463444" ma:contentTypeVersion="2" ma:contentTypeDescription="Create a new document." ma:contentTypeScope="" ma:versionID="63fac527f6ff8a9f2e013b12d719f8af">
   <xsd:schema xmlns:xsd="http://www.w3.org/2001/XMLSchema" xmlns:xs="http://www.w3.org/2001/XMLSchema" xmlns:p="http://schemas.microsoft.com/office/2006/metadata/properties" xmlns:ns2="1bfb3ba0-8d1b-4665-a821-356ff3557654" targetNamespace="http://schemas.microsoft.com/office/2006/metadata/properties" ma:root="true" ma:fieldsID="428cc22d1330572d9f80afb751911365" ns2:_="">
     <xsd:import namespace="1bfb3ba0-8d1b-4665-a821-356ff3557654"/>
@@ -9108,7 +9408,48 @@
 </ct:contentTypeSchema>
 </file>
 
+<file path=customXml/item2.xml><?xml version="1.0" encoding="utf-8"?>
+<?mso-contentType ?>
+<FormTemplates xmlns="http://schemas.microsoft.com/sharepoint/v3/contenttype/forms">
+  <Display>DocumentLibraryForm</Display>
+  <Edit>DocumentLibraryForm</Edit>
+  <New>DocumentLibraryForm</New>
+</FormTemplates>
+</file>
+
+<file path=customXml/item3.xml><?xml version="1.0" encoding="utf-8"?>
+<p:properties xmlns:p="http://schemas.microsoft.com/office/2006/metadata/properties" xmlns:xsi="http://www.w3.org/2001/XMLSchema-instance" xmlns:pc="http://schemas.microsoft.com/office/infopath/2007/PartnerControls">
+  <documentManagement/>
+</p:properties>
+</file>
+
 <file path=customXml/itemProps1.xml><?xml version="1.0" encoding="utf-8"?>
+<ds:datastoreItem xmlns:ds="http://schemas.openxmlformats.org/officeDocument/2006/customXml" ds:itemID="{7B706577-D009-4299-8F76-E8492B39E380}">
+  <ds:schemaRefs>
+    <ds:schemaRef ds:uri="http://schemas.microsoft.com/office/2006/metadata/contentType"/>
+    <ds:schemaRef ds:uri="http://schemas.microsoft.com/office/2006/metadata/properties/metaAttributes"/>
+    <ds:schemaRef ds:uri="http://www.w3.org/2001/XMLSchema"/>
+    <ds:schemaRef ds:uri="http://schemas.microsoft.com/office/2006/metadata/properties"/>
+    <ds:schemaRef ds:uri="1bfb3ba0-8d1b-4665-a821-356ff3557654"/>
+    <ds:schemaRef ds:uri="http://schemas.microsoft.com/office/2006/documentManagement/types"/>
+    <ds:schemaRef ds:uri="http://schemas.microsoft.com/office/infopath/2007/PartnerControls"/>
+    <ds:schemaRef ds:uri="http://schemas.openxmlformats.org/package/2006/metadata/core-properties"/>
+    <ds:schemaRef ds:uri="http://purl.org/dc/elements/1.1/"/>
+    <ds:schemaRef ds:uri="http://purl.org/dc/terms/"/>
+    <ds:schemaRef ds:uri="http://schemas.microsoft.com/internal/obd"/>
+  </ds:schemaRefs>
+</ds:datastoreItem>
+</file>
+
+<file path=customXml/itemProps2.xml><?xml version="1.0" encoding="utf-8"?>
+<ds:datastoreItem xmlns:ds="http://schemas.openxmlformats.org/officeDocument/2006/customXml" ds:itemID="{8BA85E2F-5763-4226-ADFC-573DE95CF0A9}">
+  <ds:schemaRefs>
+    <ds:schemaRef ds:uri="http://schemas.microsoft.com/sharepoint/v3/contenttype/forms"/>
+  </ds:schemaRefs>
+</ds:datastoreItem>
+</file>
+
+<file path=customXml/itemProps3.xml><?xml version="1.0" encoding="utf-8"?>
 <ds:datastoreItem xmlns:ds="http://schemas.openxmlformats.org/officeDocument/2006/customXml" ds:itemID="{4AFC1068-B199-4318-9EF7-21699976EF44}">
   <ds:schemaRefs>
     <ds:schemaRef ds:uri="2c5cce00-52a1-4876-9ee4-eb68d33be899"/>
@@ -9124,30 +9465,4 @@
     <ds:schemaRef ds:uri="http://www.w3.org/XML/1998/namespace"/>
   </ds:schemaRefs>
 </ds:datastoreItem>
-</file>
-
-<file path=customXml/itemProps2.xml><?xml version="1.0" encoding="utf-8"?>
-<ds:datastoreItem xmlns:ds="http://schemas.openxmlformats.org/officeDocument/2006/customXml" ds:itemID="{8BA85E2F-5763-4226-ADFC-573DE95CF0A9}">
-  <ds:schemaRefs>
-    <ds:schemaRef ds:uri="http://schemas.microsoft.com/sharepoint/v3/contenttype/forms"/>
-  </ds:schemaRefs>
-</ds:datastoreItem>
-</file>
-
-<file path=customXml/itemProps3.xml><?xml version="1.0" encoding="utf-8"?>
-<ds:datastoreItem xmlns:ds="http://schemas.openxmlformats.org/officeDocument/2006/customXml" ds:itemID="{7B706577-D009-4299-8F76-E8492B39E380}">
-  <ds:schemaRefs>
-    <ds:schemaRef ds:uri="http://schemas.microsoft.com/office/2006/metadata/contentType"/>
-    <ds:schemaRef ds:uri="http://schemas.microsoft.com/office/2006/metadata/properties/metaAttributes"/>
-    <ds:schemaRef ds:uri="http://www.w3.org/2001/XMLSchema"/>
-    <ds:schemaRef ds:uri="http://schemas.microsoft.com/office/2006/metadata/properties"/>
-    <ds:schemaRef ds:uri="1bfb3ba0-8d1b-4665-a821-356ff3557654"/>
-    <ds:schemaRef ds:uri="http://schemas.microsoft.com/office/2006/documentManagement/types"/>
-    <ds:schemaRef ds:uri="http://schemas.microsoft.com/office/infopath/2007/PartnerControls"/>
-    <ds:schemaRef ds:uri="http://schemas.openxmlformats.org/package/2006/metadata/core-properties"/>
-    <ds:schemaRef ds:uri="http://purl.org/dc/elements/1.1/"/>
-    <ds:schemaRef ds:uri="http://purl.org/dc/terms/"/>
-    <ds:schemaRef ds:uri="http://schemas.microsoft.com/internal/obd"/>
-  </ds:schemaRefs>
-</ds:datastoreItem>
 </file>
--- a/keda.pptx
+++ b/keda.pptx
@@ -201,10 +201,25 @@
   <pc:docChgLst>
     <pc:chgData name="Adina Diana Cohen" userId="cf14e8af-0b22-4bdd-940c-c9b2fee0768e" providerId="ADAL" clId="{7A1D851A-9ACC-4B33-94BC-14294AEA305A}"/>
     <pc:docChg chg="undo custSel addSld delSld modSld sldOrd modSection">
-      <pc:chgData name="Adina Diana Cohen" userId="cf14e8af-0b22-4bdd-940c-c9b2fee0768e" providerId="ADAL" clId="{7A1D851A-9ACC-4B33-94BC-14294AEA305A}" dt="2023-09-10T12:30:37.479" v="468"/>
+      <pc:chgData name="Adina Diana Cohen" userId="cf14e8af-0b22-4bdd-940c-c9b2fee0768e" providerId="ADAL" clId="{7A1D851A-9ACC-4B33-94BC-14294AEA305A}" dt="2023-09-10T13:08:22.288" v="535" actId="1076"/>
       <pc:docMkLst>
         <pc:docMk/>
       </pc:docMkLst>
+      <pc:sldChg chg="modSp mod">
+        <pc:chgData name="Adina Diana Cohen" userId="cf14e8af-0b22-4bdd-940c-c9b2fee0768e" providerId="ADAL" clId="{7A1D851A-9ACC-4B33-94BC-14294AEA305A}" dt="2023-09-10T13:03:18.403" v="505" actId="14100"/>
+        <pc:sldMkLst>
+          <pc:docMk/>
+          <pc:sldMk cId="4088020127" sldId="867"/>
+        </pc:sldMkLst>
+        <pc:spChg chg="mod">
+          <ac:chgData name="Adina Diana Cohen" userId="cf14e8af-0b22-4bdd-940c-c9b2fee0768e" providerId="ADAL" clId="{7A1D851A-9ACC-4B33-94BC-14294AEA305A}" dt="2023-09-10T13:03:18.403" v="505" actId="14100"/>
+          <ac:spMkLst>
+            <pc:docMk/>
+            <pc:sldMk cId="4088020127" sldId="867"/>
+            <ac:spMk id="5" creationId="{AB8CAFDD-0FD9-354D-92F4-6A847EC22B45}"/>
+          </ac:spMkLst>
+        </pc:spChg>
+      </pc:sldChg>
       <pc:sldChg chg="addSp delSp modSp mod">
         <pc:chgData name="Adina Diana Cohen" userId="cf14e8af-0b22-4bdd-940c-c9b2fee0768e" providerId="ADAL" clId="{7A1D851A-9ACC-4B33-94BC-14294AEA305A}" dt="2023-09-10T12:30:16.254" v="466" actId="1076"/>
         <pc:sldMkLst>
@@ -265,6 +280,45 @@
             <pc:docMk/>
             <pc:sldMk cId="4012476588" sldId="919"/>
             <ac:picMk id="12" creationId="{445777EE-C76A-89DC-8E48-23F8D8A86C36}"/>
+          </ac:picMkLst>
+        </pc:picChg>
+      </pc:sldChg>
+      <pc:sldChg chg="addSp delSp modSp mod">
+        <pc:chgData name="Adina Diana Cohen" userId="cf14e8af-0b22-4bdd-940c-c9b2fee0768e" providerId="ADAL" clId="{7A1D851A-9ACC-4B33-94BC-14294AEA305A}" dt="2023-09-10T13:08:22.288" v="535" actId="1076"/>
+        <pc:sldMkLst>
+          <pc:docMk/>
+          <pc:sldMk cId="822005621" sldId="920"/>
+        </pc:sldMkLst>
+        <pc:spChg chg="mod">
+          <ac:chgData name="Adina Diana Cohen" userId="cf14e8af-0b22-4bdd-940c-c9b2fee0768e" providerId="ADAL" clId="{7A1D851A-9ACC-4B33-94BC-14294AEA305A}" dt="2023-09-10T13:05:39.671" v="520" actId="1076"/>
+          <ac:spMkLst>
+            <pc:docMk/>
+            <pc:sldMk cId="822005621" sldId="920"/>
+            <ac:spMk id="3" creationId="{D2CFEABD-3EF2-8961-EEC4-E1002E8AD4CD}"/>
+          </ac:spMkLst>
+        </pc:spChg>
+        <pc:picChg chg="add mod">
+          <ac:chgData name="Adina Diana Cohen" userId="cf14e8af-0b22-4bdd-940c-c9b2fee0768e" providerId="ADAL" clId="{7A1D851A-9ACC-4B33-94BC-14294AEA305A}" dt="2023-09-10T13:08:18.406" v="533" actId="1076"/>
+          <ac:picMkLst>
+            <pc:docMk/>
+            <pc:sldMk cId="822005621" sldId="920"/>
+            <ac:picMk id="5" creationId="{6AEB4A14-40C0-8259-BB33-A02A01F084BA}"/>
+          </ac:picMkLst>
+        </pc:picChg>
+        <pc:picChg chg="add del mod">
+          <ac:chgData name="Adina Diana Cohen" userId="cf14e8af-0b22-4bdd-940c-c9b2fee0768e" providerId="ADAL" clId="{7A1D851A-9ACC-4B33-94BC-14294AEA305A}" dt="2023-09-10T13:06:19.094" v="523" actId="478"/>
+          <ac:picMkLst>
+            <pc:docMk/>
+            <pc:sldMk cId="822005621" sldId="920"/>
+            <ac:picMk id="7" creationId="{A3EE1E00-67B1-FD23-3A29-1468BD21EAFB}"/>
+          </ac:picMkLst>
+        </pc:picChg>
+        <pc:picChg chg="add mod">
+          <ac:chgData name="Adina Diana Cohen" userId="cf14e8af-0b22-4bdd-940c-c9b2fee0768e" providerId="ADAL" clId="{7A1D851A-9ACC-4B33-94BC-14294AEA305A}" dt="2023-09-10T13:08:22.288" v="535" actId="1076"/>
+          <ac:picMkLst>
+            <pc:docMk/>
+            <pc:sldMk cId="822005621" sldId="920"/>
+            <ac:picMk id="9" creationId="{340D8E49-B53F-9041-143E-9E4A4A93DC53}"/>
           </ac:picMkLst>
         </pc:picChg>
       </pc:sldChg>
@@ -7680,12 +7734,12 @@
         <p:spPr>
           <a:xfrm>
             <a:off x="838200" y="1825625"/>
-            <a:ext cx="10515600" cy="3272586"/>
+            <a:ext cx="10515600" cy="2858518"/>
           </a:xfrm>
         </p:spPr>
         <p:txBody>
           <a:bodyPr>
-            <a:normAutofit lnSpcReduction="10000"/>
+            <a:normAutofit/>
           </a:bodyPr>
           <a:lstStyle/>
           <a:p>
@@ -7771,7 +7825,7 @@
                 <a:effectLst/>
                 <a:latin typeface="Inria Sans"/>
               </a:rPr>
-              <a:t> is a single-purpose and lightweight component that can be added into any Kubernetes cluster. KEDA works alongside standard Kubernetes components </a:t>
+              <a:t> works alongside standard Kubernetes components </a:t>
             </a:r>
             <a:r>
               <a:rPr lang="en-US" sz="2000" dirty="0">
@@ -7808,8 +7862,17 @@
                 <a:effectLst/>
                 <a:latin typeface="Inria Sans"/>
               </a:rPr>
-              <a:t>can extend functionality without overwriting or duplication. With KEDA you can explicitly map the apps you want to use event-driven scale, with other apps continuing to function. This makes KEDA a flexible and safe option to run alongside any number of any other Kubernetes applications or frameworks.</a:t>
+              <a:t>can extend functionality without overwriting or duplication. With KEDA you can explicitly map the apps you want to use event-driven scale, with other apps continuing to function.</a:t>
             </a:r>
+          </a:p>
+          <a:p>
+            <a:pPr algn="l"/>
+            <a:endParaRPr lang="en-US" sz="100" dirty="0">
+              <a:solidFill>
+                <a:srgbClr val="4A4A4A"/>
+              </a:solidFill>
+              <a:latin typeface="Inria Sans"/>
+            </a:endParaRPr>
           </a:p>
           <a:p>
             <a:pPr algn="l"/>
@@ -7964,8 +8027,8 @@
         </p:nvSpPr>
         <p:spPr>
           <a:xfrm>
-            <a:off x="838200" y="1825626"/>
-            <a:ext cx="10515600" cy="3341598"/>
+            <a:off x="2209801" y="2343209"/>
+            <a:ext cx="10515600" cy="2720495"/>
           </a:xfrm>
         </p:spPr>
         <p:txBody>
@@ -7975,7 +8038,7 @@
           <a:lstStyle/>
           <a:p>
             <a:r>
-              <a:rPr lang="it-IT" dirty="0"/>
+              <a:rPr lang="it-IT" sz="2400" dirty="0"/>
               <a:t>KEDA needs to be installed on each cluster on keda namespace:</a:t>
             </a:r>
           </a:p>
@@ -7985,16 +8048,16 @@
               <a:buChar char="•"/>
             </a:pPr>
             <a:r>
-              <a:rPr lang="it-IT" dirty="0"/>
+              <a:rPr lang="it-IT" sz="2400" dirty="0"/>
               <a:t>helm repo add kedacore </a:t>
             </a:r>
             <a:r>
-              <a:rPr lang="it-IT" dirty="0">
+              <a:rPr lang="it-IT" sz="2400" dirty="0">
                 <a:hlinkClick r:id="rId2"/>
               </a:rPr>
               <a:t>https://kedacore.github.io/charts</a:t>
             </a:r>
-            <a:endParaRPr lang="en-US" dirty="0"/>
+            <a:endParaRPr lang="en-US" sz="2400" dirty="0"/>
           </a:p>
           <a:p>
             <a:pPr marL="457200" indent="-457200">
@@ -8002,7 +8065,7 @@
               <a:buChar char="•"/>
             </a:pPr>
             <a:r>
-              <a:rPr lang="en-US" dirty="0"/>
+              <a:rPr lang="en-US" sz="2400" dirty="0"/>
               <a:t>helm repo update</a:t>
             </a:r>
           </a:p>
@@ -8012,39 +8075,39 @@
               <a:buChar char="•"/>
             </a:pPr>
             <a:r>
-              <a:rPr lang="en-US" dirty="0"/>
+              <a:rPr lang="en-US" sz="2400" dirty="0"/>
               <a:t>helm install </a:t>
             </a:r>
             <a:r>
-              <a:rPr lang="en-US" dirty="0" err="1"/>
+              <a:rPr lang="en-US" sz="2400" dirty="0" err="1"/>
               <a:t>keda</a:t>
             </a:r>
             <a:r>
-              <a:rPr lang="en-US" dirty="0"/>
+              <a:rPr lang="en-US" sz="2400" dirty="0"/>
               <a:t> </a:t>
             </a:r>
             <a:r>
-              <a:rPr lang="en-US" dirty="0" err="1"/>
+              <a:rPr lang="en-US" sz="2400" dirty="0" err="1"/>
               <a:t>kedacore</a:t>
             </a:r>
             <a:r>
-              <a:rPr lang="en-US" dirty="0"/>
+              <a:rPr lang="en-US" sz="2400" dirty="0"/>
               <a:t>/</a:t>
             </a:r>
             <a:r>
-              <a:rPr lang="en-US" dirty="0" err="1"/>
+              <a:rPr lang="en-US" sz="2400" dirty="0" err="1"/>
               <a:t>keda</a:t>
             </a:r>
             <a:r>
-              <a:rPr lang="en-US" dirty="0"/>
+              <a:rPr lang="en-US" sz="2400" dirty="0"/>
               <a:t> --namespace </a:t>
             </a:r>
             <a:r>
-              <a:rPr lang="en-US" dirty="0" err="1"/>
+              <a:rPr lang="en-US" sz="2400" dirty="0" err="1"/>
               <a:t>keda</a:t>
             </a:r>
             <a:r>
-              <a:rPr lang="en-US" dirty="0"/>
+              <a:rPr lang="en-US" sz="2400" dirty="0"/>
               <a:t> --create-namespace</a:t>
             </a:r>
           </a:p>
@@ -8053,19 +8116,79 @@
           </a:p>
           <a:p>
             <a:r>
-              <a:rPr lang="en-US" dirty="0"/>
+              <a:rPr lang="en-US" sz="2400" dirty="0"/>
               <a:t>This is the link to version 2: </a:t>
             </a:r>
             <a:r>
-              <a:rPr lang="en-US" dirty="0">
+              <a:rPr lang="en-US" sz="2400" dirty="0">
                 <a:hlinkClick r:id="rId3"/>
               </a:rPr>
               <a:t>https://keda.sh/docs/2.11/deploy/</a:t>
             </a:r>
-            <a:endParaRPr lang="en-US" dirty="0"/>
+            <a:endParaRPr lang="en-US" sz="2400" dirty="0"/>
           </a:p>
         </p:txBody>
       </p:sp>
+      <p:pic>
+        <p:nvPicPr>
+          <p:cNvPr id="5" name="Picture 4">
+            <a:extLst>
+              <a:ext uri="{FF2B5EF4-FFF2-40B4-BE49-F238E27FC236}">
+                <a16:creationId xmlns:a16="http://schemas.microsoft.com/office/drawing/2014/main" id="{6AEB4A14-40C0-8259-BB33-A02A01F084BA}"/>
+              </a:ext>
+            </a:extLst>
+          </p:cNvPr>
+          <p:cNvPicPr>
+            <a:picLocks noChangeAspect="1"/>
+          </p:cNvPicPr>
+          <p:nvPr/>
+        </p:nvPicPr>
+        <p:blipFill>
+          <a:blip r:embed="rId4"/>
+          <a:stretch>
+            <a:fillRect/>
+          </a:stretch>
+        </p:blipFill>
+        <p:spPr>
+          <a:xfrm>
+            <a:off x="376851" y="1975958"/>
+            <a:ext cx="1623421" cy="1728694"/>
+          </a:xfrm>
+          <a:prstGeom prst="rect">
+            <a:avLst/>
+          </a:prstGeom>
+        </p:spPr>
+      </p:pic>
+      <p:pic>
+        <p:nvPicPr>
+          <p:cNvPr id="9" name="Picture 8">
+            <a:extLst>
+              <a:ext uri="{FF2B5EF4-FFF2-40B4-BE49-F238E27FC236}">
+                <a16:creationId xmlns:a16="http://schemas.microsoft.com/office/drawing/2014/main" id="{340D8E49-B53F-9041-143E-9E4A4A93DC53}"/>
+              </a:ext>
+            </a:extLst>
+          </p:cNvPr>
+          <p:cNvPicPr>
+            <a:picLocks noChangeAspect="1"/>
+          </p:cNvPicPr>
+          <p:nvPr/>
+        </p:nvPicPr>
+        <p:blipFill>
+          <a:blip r:embed="rId5"/>
+          <a:stretch>
+            <a:fillRect/>
+          </a:stretch>
+        </p:blipFill>
+        <p:spPr>
+          <a:xfrm>
+            <a:off x="258877" y="3781782"/>
+            <a:ext cx="1855505" cy="1802920"/>
+          </a:xfrm>
+          <a:prstGeom prst="rect">
+            <a:avLst/>
+          </a:prstGeom>
+        </p:spPr>
+      </p:pic>
     </p:spTree>
     <p:extLst>
       <p:ext uri="{BB962C8B-B14F-4D97-AF65-F5344CB8AC3E}">
@@ -9277,6 +9400,21 @@
 </file>
 
 <file path=customXml/item1.xml><?xml version="1.0" encoding="utf-8"?>
+<p:properties xmlns:p="http://schemas.microsoft.com/office/2006/metadata/properties" xmlns:xsi="http://www.w3.org/2001/XMLSchema-instance" xmlns:pc="http://schemas.microsoft.com/office/infopath/2007/PartnerControls">
+  <documentManagement/>
+</p:properties>
+</file>
+
+<file path=customXml/item2.xml><?xml version="1.0" encoding="utf-8"?>
+<?mso-contentType ?>
+<FormTemplates xmlns="http://schemas.microsoft.com/sharepoint/v3/contenttype/forms">
+  <Display>DocumentLibraryForm</Display>
+  <Edit>DocumentLibraryForm</Edit>
+  <New>DocumentLibraryForm</New>
+</FormTemplates>
+</file>
+
+<file path=customXml/item3.xml><?xml version="1.0" encoding="utf-8"?>
 <ct:contentTypeSchema xmlns:ct="http://schemas.microsoft.com/office/2006/metadata/contentType" xmlns:ma="http://schemas.microsoft.com/office/2006/metadata/properties/metaAttributes" ct:_="" ma:_="" ma:contentTypeName="Document" ma:contentTypeID="0x0101002F8C640EA6DE6C4297C2B9751F463444" ma:contentTypeVersion="2" ma:contentTypeDescription="Create a new document." ma:contentTypeScope="" ma:versionID="63fac527f6ff8a9f2e013b12d719f8af">
   <xsd:schema xmlns:xsd="http://www.w3.org/2001/XMLSchema" xmlns:xs="http://www.w3.org/2001/XMLSchema" xmlns:p="http://schemas.microsoft.com/office/2006/metadata/properties" xmlns:ns2="1bfb3ba0-8d1b-4665-a821-356ff3557654" targetNamespace="http://schemas.microsoft.com/office/2006/metadata/properties" ma:root="true" ma:fieldsID="428cc22d1330572d9f80afb751911365" ns2:_="">
     <xsd:import namespace="1bfb3ba0-8d1b-4665-a821-356ff3557654"/>
@@ -9408,22 +9546,33 @@
 </ct:contentTypeSchema>
 </file>
 
-<file path=customXml/item2.xml><?xml version="1.0" encoding="utf-8"?>
-<?mso-contentType ?>
-<FormTemplates xmlns="http://schemas.microsoft.com/sharepoint/v3/contenttype/forms">
-  <Display>DocumentLibraryForm</Display>
-  <Edit>DocumentLibraryForm</Edit>
-  <New>DocumentLibraryForm</New>
-</FormTemplates>
+<file path=customXml/itemProps1.xml><?xml version="1.0" encoding="utf-8"?>
+<ds:datastoreItem xmlns:ds="http://schemas.openxmlformats.org/officeDocument/2006/customXml" ds:itemID="{4AFC1068-B199-4318-9EF7-21699976EF44}">
+  <ds:schemaRefs>
+    <ds:schemaRef ds:uri="2c5cce00-52a1-4876-9ee4-eb68d33be899"/>
+    <ds:schemaRef ds:uri="581397e1-fd22-4b01-ba49-28f70b1d046e"/>
+    <ds:schemaRef ds:uri="http://purl.org/dc/dcmitype/"/>
+    <ds:schemaRef ds:uri="http://purl.org/dc/elements/1.1/"/>
+    <ds:schemaRef ds:uri="http://purl.org/dc/terms/"/>
+    <ds:schemaRef ds:uri="http://schemas.microsoft.com/office/2006/documentManagement/types"/>
+    <ds:schemaRef ds:uri="http://schemas.microsoft.com/office/2006/metadata/properties"/>
+    <ds:schemaRef ds:uri="http://schemas.microsoft.com/office/infopath/2007/PartnerControls"/>
+    <ds:schemaRef ds:uri="http://schemas.microsoft.com/sharepoint/v3"/>
+    <ds:schemaRef ds:uri="http://schemas.openxmlformats.org/package/2006/metadata/core-properties"/>
+    <ds:schemaRef ds:uri="http://www.w3.org/XML/1998/namespace"/>
+  </ds:schemaRefs>
+</ds:datastoreItem>
 </file>
 
-<file path=customXml/item3.xml><?xml version="1.0" encoding="utf-8"?>
-<p:properties xmlns:p="http://schemas.microsoft.com/office/2006/metadata/properties" xmlns:xsi="http://www.w3.org/2001/XMLSchema-instance" xmlns:pc="http://schemas.microsoft.com/office/infopath/2007/PartnerControls">
-  <documentManagement/>
-</p:properties>
+<file path=customXml/itemProps2.xml><?xml version="1.0" encoding="utf-8"?>
+<ds:datastoreItem xmlns:ds="http://schemas.openxmlformats.org/officeDocument/2006/customXml" ds:itemID="{8BA85E2F-5763-4226-ADFC-573DE95CF0A9}">
+  <ds:schemaRefs>
+    <ds:schemaRef ds:uri="http://schemas.microsoft.com/sharepoint/v3/contenttype/forms"/>
+  </ds:schemaRefs>
+</ds:datastoreItem>
 </file>
 
-<file path=customXml/itemProps1.xml><?xml version="1.0" encoding="utf-8"?>
+<file path=customXml/itemProps3.xml><?xml version="1.0" encoding="utf-8"?>
 <ds:datastoreItem xmlns:ds="http://schemas.openxmlformats.org/officeDocument/2006/customXml" ds:itemID="{7B706577-D009-4299-8F76-E8492B39E380}">
   <ds:schemaRefs>
     <ds:schemaRef ds:uri="http://schemas.microsoft.com/office/2006/metadata/contentType"/>
@@ -9439,30 +9588,4 @@
     <ds:schemaRef ds:uri="http://schemas.microsoft.com/internal/obd"/>
   </ds:schemaRefs>
 </ds:datastoreItem>
-</file>
-
-<file path=customXml/itemProps2.xml><?xml version="1.0" encoding="utf-8"?>
-<ds:datastoreItem xmlns:ds="http://schemas.openxmlformats.org/officeDocument/2006/customXml" ds:itemID="{8BA85E2F-5763-4226-ADFC-573DE95CF0A9}">
-  <ds:schemaRefs>
-    <ds:schemaRef ds:uri="http://schemas.microsoft.com/sharepoint/v3/contenttype/forms"/>
-  </ds:schemaRefs>
-</ds:datastoreItem>
-</file>
-
-<file path=customXml/itemProps3.xml><?xml version="1.0" encoding="utf-8"?>
-<ds:datastoreItem xmlns:ds="http://schemas.openxmlformats.org/officeDocument/2006/customXml" ds:itemID="{4AFC1068-B199-4318-9EF7-21699976EF44}">
-  <ds:schemaRefs>
-    <ds:schemaRef ds:uri="2c5cce00-52a1-4876-9ee4-eb68d33be899"/>
-    <ds:schemaRef ds:uri="581397e1-fd22-4b01-ba49-28f70b1d046e"/>
-    <ds:schemaRef ds:uri="http://purl.org/dc/dcmitype/"/>
-    <ds:schemaRef ds:uri="http://purl.org/dc/elements/1.1/"/>
-    <ds:schemaRef ds:uri="http://purl.org/dc/terms/"/>
-    <ds:schemaRef ds:uri="http://schemas.microsoft.com/office/2006/documentManagement/types"/>
-    <ds:schemaRef ds:uri="http://schemas.microsoft.com/office/2006/metadata/properties"/>
-    <ds:schemaRef ds:uri="http://schemas.microsoft.com/office/infopath/2007/PartnerControls"/>
-    <ds:schemaRef ds:uri="http://schemas.microsoft.com/sharepoint/v3"/>
-    <ds:schemaRef ds:uri="http://schemas.openxmlformats.org/package/2006/metadata/core-properties"/>
-    <ds:schemaRef ds:uri="http://www.w3.org/XML/1998/namespace"/>
-  </ds:schemaRefs>
-</ds:datastoreItem>
 </file>
--- a/keda.pptx
+++ b/keda.pptx
@@ -5,16 +5,17 @@
     <p:sldMasterId id="2147483648" r:id="rId4"/>
   </p:sldMasterIdLst>
   <p:notesMasterIdLst>
-    <p:notesMasterId r:id="rId12"/>
+    <p:notesMasterId r:id="rId13"/>
   </p:notesMasterIdLst>
   <p:sldIdLst>
     <p:sldId id="918" r:id="rId5"/>
     <p:sldId id="867" r:id="rId6"/>
-    <p:sldId id="920" r:id="rId7"/>
-    <p:sldId id="921" r:id="rId8"/>
-    <p:sldId id="919" r:id="rId9"/>
-    <p:sldId id="922" r:id="rId10"/>
-    <p:sldId id="863" r:id="rId11"/>
+    <p:sldId id="923" r:id="rId7"/>
+    <p:sldId id="920" r:id="rId8"/>
+    <p:sldId id="921" r:id="rId9"/>
+    <p:sldId id="919" r:id="rId10"/>
+    <p:sldId id="922" r:id="rId11"/>
+    <p:sldId id="863" r:id="rId12"/>
   </p:sldIdLst>
   <p:sldSz cx="12192000" cy="6858000"/>
   <p:notesSz cx="6797675" cy="9874250"/>
@@ -120,6 +121,7 @@
           <p14:sldIdLst>
             <p14:sldId id="918"/>
             <p14:sldId id="867"/>
+            <p14:sldId id="923"/>
             <p14:sldId id="920"/>
             <p14:sldId id="921"/>
             <p14:sldId id="919"/>
@@ -191,7 +193,7 @@
 <file path=ppt/revisionInfo.xml><?xml version="1.0" encoding="utf-8"?>
 <p1510:revInfo xmlns:a="http://schemas.openxmlformats.org/drawingml/2006/main" xmlns:r="http://schemas.openxmlformats.org/officeDocument/2006/relationships" xmlns:p1510="http://schemas.microsoft.com/office/powerpoint/2015/10/main">
   <p1510:revLst>
-    <p1510:client id="{7A1D851A-9ACC-4B33-94BC-14294AEA305A}" v="5" dt="2023-09-10T12:23:30.337"/>
+    <p1510:client id="{7A1D851A-9ACC-4B33-94BC-14294AEA305A}" v="7" dt="2023-09-11T07:52:42.385"/>
   </p1510:revLst>
 </p1510:revInfo>
 </file>
@@ -201,7 +203,7 @@
   <pc:docChgLst>
     <pc:chgData name="Adina Diana Cohen" userId="cf14e8af-0b22-4bdd-940c-c9b2fee0768e" providerId="ADAL" clId="{7A1D851A-9ACC-4B33-94BC-14294AEA305A}"/>
     <pc:docChg chg="undo custSel addSld delSld modSld sldOrd modSection">
-      <pc:chgData name="Adina Diana Cohen" userId="cf14e8af-0b22-4bdd-940c-c9b2fee0768e" providerId="ADAL" clId="{7A1D851A-9ACC-4B33-94BC-14294AEA305A}" dt="2023-09-10T13:08:22.288" v="535" actId="1076"/>
+      <pc:chgData name="Adina Diana Cohen" userId="cf14e8af-0b22-4bdd-940c-c9b2fee0768e" providerId="ADAL" clId="{7A1D851A-9ACC-4B33-94BC-14294AEA305A}" dt="2023-09-11T09:06:24.820" v="715" actId="1076"/>
       <pc:docMkLst>
         <pc:docMk/>
       </pc:docMkLst>
@@ -221,7 +223,7 @@
         </pc:spChg>
       </pc:sldChg>
       <pc:sldChg chg="addSp delSp modSp mod">
-        <pc:chgData name="Adina Diana Cohen" userId="cf14e8af-0b22-4bdd-940c-c9b2fee0768e" providerId="ADAL" clId="{7A1D851A-9ACC-4B33-94BC-14294AEA305A}" dt="2023-09-10T12:30:16.254" v="466" actId="1076"/>
+        <pc:chgData name="Adina Diana Cohen" userId="cf14e8af-0b22-4bdd-940c-c9b2fee0768e" providerId="ADAL" clId="{7A1D851A-9ACC-4B33-94BC-14294AEA305A}" dt="2023-09-11T08:00:28.377" v="677" actId="20577"/>
         <pc:sldMkLst>
           <pc:docMk/>
           <pc:sldMk cId="4012476588" sldId="919"/>
@@ -235,7 +237,7 @@
           </ac:spMkLst>
         </pc:spChg>
         <pc:spChg chg="mod">
-          <ac:chgData name="Adina Diana Cohen" userId="cf14e8af-0b22-4bdd-940c-c9b2fee0768e" providerId="ADAL" clId="{7A1D851A-9ACC-4B33-94BC-14294AEA305A}" dt="2023-09-10T12:29:48.239" v="459" actId="14100"/>
+          <ac:chgData name="Adina Diana Cohen" userId="cf14e8af-0b22-4bdd-940c-c9b2fee0768e" providerId="ADAL" clId="{7A1D851A-9ACC-4B33-94BC-14294AEA305A}" dt="2023-09-11T08:00:28.377" v="677" actId="20577"/>
           <ac:spMkLst>
             <pc:docMk/>
             <pc:sldMk cId="4012476588" sldId="919"/>
@@ -486,6 +488,117 @@
           </ac:picMkLst>
         </pc:picChg>
       </pc:sldChg>
+      <pc:sldChg chg="addSp delSp modSp new mod">
+        <pc:chgData name="Adina Diana Cohen" userId="cf14e8af-0b22-4bdd-940c-c9b2fee0768e" providerId="ADAL" clId="{7A1D851A-9ACC-4B33-94BC-14294AEA305A}" dt="2023-09-11T09:06:24.820" v="715" actId="1076"/>
+        <pc:sldMkLst>
+          <pc:docMk/>
+          <pc:sldMk cId="128354926" sldId="923"/>
+        </pc:sldMkLst>
+        <pc:spChg chg="mod">
+          <ac:chgData name="Adina Diana Cohen" userId="cf14e8af-0b22-4bdd-940c-c9b2fee0768e" providerId="ADAL" clId="{7A1D851A-9ACC-4B33-94BC-14294AEA305A}" dt="2023-09-11T07:52:16.373" v="565" actId="20577"/>
+          <ac:spMkLst>
+            <pc:docMk/>
+            <pc:sldMk cId="128354926" sldId="923"/>
+            <ac:spMk id="2" creationId="{E9364F58-492E-482C-E0F8-3AF6A42BA4DD}"/>
+          </ac:spMkLst>
+        </pc:spChg>
+        <pc:spChg chg="del">
+          <ac:chgData name="Adina Diana Cohen" userId="cf14e8af-0b22-4bdd-940c-c9b2fee0768e" providerId="ADAL" clId="{7A1D851A-9ACC-4B33-94BC-14294AEA305A}" dt="2023-09-11T07:50:36.038" v="537" actId="22"/>
+          <ac:spMkLst>
+            <pc:docMk/>
+            <pc:sldMk cId="128354926" sldId="923"/>
+            <ac:spMk id="3" creationId="{BB70FEE3-88F9-4123-03FD-F9733743756A}"/>
+          </ac:spMkLst>
+        </pc:spChg>
+        <pc:spChg chg="add mod">
+          <ac:chgData name="Adina Diana Cohen" userId="cf14e8af-0b22-4bdd-940c-c9b2fee0768e" providerId="ADAL" clId="{7A1D851A-9ACC-4B33-94BC-14294AEA305A}" dt="2023-09-11T09:06:24.820" v="715" actId="1076"/>
+          <ac:spMkLst>
+            <pc:docMk/>
+            <pc:sldMk cId="128354926" sldId="923"/>
+            <ac:spMk id="7" creationId="{E54C4417-2400-F2AE-BB94-03A5AAECCBEE}"/>
+          </ac:spMkLst>
+        </pc:spChg>
+        <pc:picChg chg="add del mod ord">
+          <ac:chgData name="Adina Diana Cohen" userId="cf14e8af-0b22-4bdd-940c-c9b2fee0768e" providerId="ADAL" clId="{7A1D851A-9ACC-4B33-94BC-14294AEA305A}" dt="2023-09-11T07:51:35.293" v="557" actId="478"/>
+          <ac:picMkLst>
+            <pc:docMk/>
+            <pc:sldMk cId="128354926" sldId="923"/>
+            <ac:picMk id="5" creationId="{AFB54C9C-2B61-139D-3FEE-A77A014C4C86}"/>
+          </ac:picMkLst>
+        </pc:picChg>
+        <pc:picChg chg="add del mod">
+          <ac:chgData name="Adina Diana Cohen" userId="cf14e8af-0b22-4bdd-940c-c9b2fee0768e" providerId="ADAL" clId="{7A1D851A-9ACC-4B33-94BC-14294AEA305A}" dt="2023-09-11T07:58:23.118" v="627" actId="478"/>
+          <ac:picMkLst>
+            <pc:docMk/>
+            <pc:sldMk cId="128354926" sldId="923"/>
+            <ac:picMk id="9" creationId="{F99FA759-BD1E-5061-5085-5E90CDE10CB7}"/>
+          </ac:picMkLst>
+        </pc:picChg>
+        <pc:picChg chg="add del mod">
+          <ac:chgData name="Adina Diana Cohen" userId="cf14e8af-0b22-4bdd-940c-c9b2fee0768e" providerId="ADAL" clId="{7A1D851A-9ACC-4B33-94BC-14294AEA305A}" dt="2023-09-11T07:58:45.303" v="633" actId="478"/>
+          <ac:picMkLst>
+            <pc:docMk/>
+            <pc:sldMk cId="128354926" sldId="923"/>
+            <ac:picMk id="11" creationId="{32A9815B-20F6-802E-33B9-FF968A5C7CEA}"/>
+          </ac:picMkLst>
+        </pc:picChg>
+        <pc:picChg chg="add">
+          <ac:chgData name="Adina Diana Cohen" userId="cf14e8af-0b22-4bdd-940c-c9b2fee0768e" providerId="ADAL" clId="{7A1D851A-9ACC-4B33-94BC-14294AEA305A}" dt="2023-09-11T07:59:03.434" v="634" actId="22"/>
+          <ac:picMkLst>
+            <pc:docMk/>
+            <pc:sldMk cId="128354926" sldId="923"/>
+            <ac:picMk id="13" creationId="{CCDA04B0-19EF-03D6-5571-88E1FE9BA260}"/>
+          </ac:picMkLst>
+        </pc:picChg>
+        <pc:picChg chg="add del mod">
+          <ac:chgData name="Adina Diana Cohen" userId="cf14e8af-0b22-4bdd-940c-c9b2fee0768e" providerId="ADAL" clId="{7A1D851A-9ACC-4B33-94BC-14294AEA305A}" dt="2023-09-11T08:01:46.648" v="678" actId="478"/>
+          <ac:picMkLst>
+            <pc:docMk/>
+            <pc:sldMk cId="128354926" sldId="923"/>
+            <ac:picMk id="15" creationId="{B2F03766-52AF-253C-1543-438B6A0D09B2}"/>
+          </ac:picMkLst>
+        </pc:picChg>
+        <pc:picChg chg="add del">
+          <ac:chgData name="Adina Diana Cohen" userId="cf14e8af-0b22-4bdd-940c-c9b2fee0768e" providerId="ADAL" clId="{7A1D851A-9ACC-4B33-94BC-14294AEA305A}" dt="2023-09-11T08:01:49.786" v="680" actId="22"/>
+          <ac:picMkLst>
+            <pc:docMk/>
+            <pc:sldMk cId="128354926" sldId="923"/>
+            <ac:picMk id="17" creationId="{394DD0AC-FCEB-C0BA-F7A4-FB0BA6FC2F3E}"/>
+          </ac:picMkLst>
+        </pc:picChg>
+        <pc:picChg chg="add del mod">
+          <ac:chgData name="Adina Diana Cohen" userId="cf14e8af-0b22-4bdd-940c-c9b2fee0768e" providerId="ADAL" clId="{7A1D851A-9ACC-4B33-94BC-14294AEA305A}" dt="2023-09-11T08:04:45.992" v="696" actId="478"/>
+          <ac:picMkLst>
+            <pc:docMk/>
+            <pc:sldMk cId="128354926" sldId="923"/>
+            <ac:picMk id="19" creationId="{15603080-15EE-7DF1-4EB5-E95F1608219B}"/>
+          </ac:picMkLst>
+        </pc:picChg>
+        <pc:picChg chg="add del">
+          <ac:chgData name="Adina Diana Cohen" userId="cf14e8af-0b22-4bdd-940c-c9b2fee0768e" providerId="ADAL" clId="{7A1D851A-9ACC-4B33-94BC-14294AEA305A}" dt="2023-09-11T08:04:37.011" v="693" actId="22"/>
+          <ac:picMkLst>
+            <pc:docMk/>
+            <pc:sldMk cId="128354926" sldId="923"/>
+            <ac:picMk id="21" creationId="{13D166EB-935D-C61D-E2E6-6DEF1F289C33}"/>
+          </ac:picMkLst>
+        </pc:picChg>
+        <pc:picChg chg="add del">
+          <ac:chgData name="Adina Diana Cohen" userId="cf14e8af-0b22-4bdd-940c-c9b2fee0768e" providerId="ADAL" clId="{7A1D851A-9ACC-4B33-94BC-14294AEA305A}" dt="2023-09-11T08:04:44.388" v="695" actId="22"/>
+          <ac:picMkLst>
+            <pc:docMk/>
+            <pc:sldMk cId="128354926" sldId="923"/>
+            <ac:picMk id="23" creationId="{0772AD81-D579-1BFE-3CAF-5A53C15D3E80}"/>
+          </ac:picMkLst>
+        </pc:picChg>
+        <pc:picChg chg="add mod">
+          <ac:chgData name="Adina Diana Cohen" userId="cf14e8af-0b22-4bdd-940c-c9b2fee0768e" providerId="ADAL" clId="{7A1D851A-9ACC-4B33-94BC-14294AEA305A}" dt="2023-09-11T09:06:18.548" v="714" actId="1076"/>
+          <ac:picMkLst>
+            <pc:docMk/>
+            <pc:sldMk cId="128354926" sldId="923"/>
+            <ac:picMk id="25" creationId="{B7DD8AA9-39D0-8064-953D-7502515E831D}"/>
+          </ac:picMkLst>
+        </pc:picChg>
+      </pc:sldChg>
     </pc:docChg>
   </pc:docChgLst>
 </pc:chgInfo>
@@ -573,7 +686,7 @@
           <a:p>
             <a:fld id="{B1B213C9-D556-43CA-AF8B-5EE96B7BE14A}" type="datetimeFigureOut">
               <a:rPr lang="LID4096" smtClean="0"/>
-              <a:t>09/10/2023</a:t>
+              <a:t>09/11/2023</a:t>
             </a:fld>
             <a:endParaRPr lang="LID4096"/>
           </a:p>
@@ -995,7 +1108,7 @@
           <a:p>
             <a:fld id="{0BADC290-FA1A-4F0D-866B-F084C298039E}" type="slidenum">
               <a:rPr lang="en-US" smtClean="0"/>
-              <a:t>7</a:t>
+              <a:t>8</a:t>
             </a:fld>
             <a:endParaRPr lang="en-US"/>
           </a:p>
@@ -7984,6 +8097,175 @@
           <p:cNvPr id="2" name="Title 1">
             <a:extLst>
               <a:ext uri="{FF2B5EF4-FFF2-40B4-BE49-F238E27FC236}">
+                <a16:creationId xmlns:a16="http://schemas.microsoft.com/office/drawing/2014/main" id="{E9364F58-492E-482C-E0F8-3AF6A42BA4DD}"/>
+              </a:ext>
+            </a:extLst>
+          </p:cNvPr>
+          <p:cNvSpPr>
+            <a:spLocks noGrp="1"/>
+          </p:cNvSpPr>
+          <p:nvPr>
+            <p:ph type="title"/>
+          </p:nvPr>
+        </p:nvSpPr>
+        <p:spPr/>
+        <p:txBody>
+          <a:bodyPr/>
+          <a:lstStyle/>
+          <a:p>
+            <a:r>
+              <a:rPr lang="en-US" dirty="0"/>
+              <a:t>Azure Service Bus Topics</a:t>
+            </a:r>
+          </a:p>
+        </p:txBody>
+      </p:sp>
+      <p:sp>
+        <p:nvSpPr>
+          <p:cNvPr id="7" name="Content Placeholder 6">
+            <a:extLst>
+              <a:ext uri="{FF2B5EF4-FFF2-40B4-BE49-F238E27FC236}">
+                <a16:creationId xmlns:a16="http://schemas.microsoft.com/office/drawing/2014/main" id="{E54C4417-2400-F2AE-BB94-03A5AAECCBEE}"/>
+              </a:ext>
+            </a:extLst>
+          </p:cNvPr>
+          <p:cNvSpPr>
+            <a:spLocks noGrp="1"/>
+          </p:cNvSpPr>
+          <p:nvPr>
+            <p:ph idx="1"/>
+          </p:nvPr>
+        </p:nvSpPr>
+        <p:spPr>
+          <a:xfrm>
+            <a:off x="613913" y="1680509"/>
+            <a:ext cx="10515600" cy="1646081"/>
+          </a:xfrm>
+        </p:spPr>
+        <p:txBody>
+          <a:bodyPr>
+            <a:normAutofit/>
+          </a:bodyPr>
+          <a:lstStyle/>
+          <a:p>
+            <a:r>
+              <a:rPr lang="en-US" sz="2200" dirty="0">
+                <a:solidFill>
+                  <a:srgbClr val="2C3E50"/>
+                </a:solidFill>
+                <a:latin typeface="-apple-system"/>
+              </a:rPr>
+              <a:t>Queues typically receive and process messages in the order in which they were added to the queue. </a:t>
+            </a:r>
+          </a:p>
+          <a:p>
+            <a:r>
+              <a:rPr lang="en-US" sz="2200" dirty="0">
+                <a:solidFill>
+                  <a:srgbClr val="2C3E50"/>
+                </a:solidFill>
+                <a:latin typeface="-apple-system"/>
+              </a:rPr>
+              <a:t>Topics and subscriptions provide a one-to-many form of communication in a publish and subscribe pattern.</a:t>
+            </a:r>
+          </a:p>
+        </p:txBody>
+      </p:sp>
+      <p:pic>
+        <p:nvPicPr>
+          <p:cNvPr id="13" name="Picture 12">
+            <a:extLst>
+              <a:ext uri="{FF2B5EF4-FFF2-40B4-BE49-F238E27FC236}">
+                <a16:creationId xmlns:a16="http://schemas.microsoft.com/office/drawing/2014/main" id="{CCDA04B0-19EF-03D6-5571-88E1FE9BA260}"/>
+              </a:ext>
+            </a:extLst>
+          </p:cNvPr>
+          <p:cNvPicPr>
+            <a:picLocks noChangeAspect="1"/>
+          </p:cNvPicPr>
+          <p:nvPr/>
+        </p:nvPicPr>
+        <p:blipFill>
+          <a:blip r:embed="rId2"/>
+          <a:stretch>
+            <a:fillRect/>
+          </a:stretch>
+        </p:blipFill>
+        <p:spPr>
+          <a:xfrm>
+            <a:off x="6095986" y="3428995"/>
+            <a:ext cx="27" cy="10"/>
+          </a:xfrm>
+          <a:prstGeom prst="rect">
+            <a:avLst/>
+          </a:prstGeom>
+        </p:spPr>
+      </p:pic>
+      <p:pic>
+        <p:nvPicPr>
+          <p:cNvPr id="25" name="Picture 24">
+            <a:extLst>
+              <a:ext uri="{FF2B5EF4-FFF2-40B4-BE49-F238E27FC236}">
+                <a16:creationId xmlns:a16="http://schemas.microsoft.com/office/drawing/2014/main" id="{B7DD8AA9-39D0-8064-953D-7502515E831D}"/>
+              </a:ext>
+            </a:extLst>
+          </p:cNvPr>
+          <p:cNvPicPr>
+            <a:picLocks noChangeAspect="1"/>
+          </p:cNvPicPr>
+          <p:nvPr/>
+        </p:nvPicPr>
+        <p:blipFill>
+          <a:blip r:embed="rId3"/>
+          <a:stretch>
+            <a:fillRect/>
+          </a:stretch>
+        </p:blipFill>
+        <p:spPr>
+          <a:xfrm>
+            <a:off x="3335534" y="2967477"/>
+            <a:ext cx="6196653" cy="2713383"/>
+          </a:xfrm>
+          <a:prstGeom prst="rect">
+            <a:avLst/>
+          </a:prstGeom>
+        </p:spPr>
+      </p:pic>
+    </p:spTree>
+    <p:extLst>
+      <p:ext uri="{BB962C8B-B14F-4D97-AF65-F5344CB8AC3E}">
+        <p14:creationId xmlns:p14="http://schemas.microsoft.com/office/powerpoint/2010/main" val="128354926"/>
+      </p:ext>
+    </p:extLst>
+  </p:cSld>
+  <p:clrMapOvr>
+    <a:masterClrMapping/>
+  </p:clrMapOvr>
+</p:sld>
+</file>
+
+<file path=ppt/slides/slide4.xml><?xml version="1.0" encoding="utf-8"?>
+<p:sld xmlns:a="http://schemas.openxmlformats.org/drawingml/2006/main" xmlns:r="http://schemas.openxmlformats.org/officeDocument/2006/relationships" xmlns:p="http://schemas.openxmlformats.org/presentationml/2006/main">
+  <p:cSld>
+    <p:spTree>
+      <p:nvGrpSpPr>
+        <p:cNvPr id="1" name=""/>
+        <p:cNvGrpSpPr/>
+        <p:nvPr/>
+      </p:nvGrpSpPr>
+      <p:grpSpPr>
+        <a:xfrm>
+          <a:off x="0" y="0"/>
+          <a:ext cx="0" cy="0"/>
+          <a:chOff x="0" y="0"/>
+          <a:chExt cx="0" cy="0"/>
+        </a:xfrm>
+      </p:grpSpPr>
+      <p:sp>
+        <p:nvSpPr>
+          <p:cNvPr id="2" name="Title 1">
+            <a:extLst>
+              <a:ext uri="{FF2B5EF4-FFF2-40B4-BE49-F238E27FC236}">
                 <a16:creationId xmlns:a16="http://schemas.microsoft.com/office/drawing/2014/main" id="{F678324F-4F95-87D2-C223-CB20B90B606E}"/>
               </a:ext>
             </a:extLst>
@@ -8202,7 +8484,7 @@
 </p:sld>
 </file>
 
-<file path=ppt/slides/slide4.xml><?xml version="1.0" encoding="utf-8"?>
+<file path=ppt/slides/slide5.xml><?xml version="1.0" encoding="utf-8"?>
 <p:sld xmlns:a="http://schemas.openxmlformats.org/drawingml/2006/main" xmlns:r="http://schemas.openxmlformats.org/officeDocument/2006/relationships" xmlns:p="http://schemas.openxmlformats.org/presentationml/2006/main">
   <p:cSld>
     <p:spTree>
@@ -8418,7 +8700,7 @@
 </p:sld>
 </file>
 
-<file path=ppt/slides/slide5.xml><?xml version="1.0" encoding="utf-8"?>
+<file path=ppt/slides/slide6.xml><?xml version="1.0" encoding="utf-8"?>
 <p:sld xmlns:a="http://schemas.openxmlformats.org/drawingml/2006/main" xmlns:r="http://schemas.openxmlformats.org/officeDocument/2006/relationships" xmlns:p="http://schemas.openxmlformats.org/presentationml/2006/main">
   <p:cSld>
     <p:spTree>
@@ -8535,7 +8817,7 @@
           <a:p>
             <a:r>
               <a:rPr lang="en-US" sz="2400" dirty="0"/>
-              <a:t>Scales the pods up and down according the triggers configured, it authenticates with the </a:t>
+              <a:t>Scales the pods up and down according the triggers configured (topic and subscription), it authenticates with the </a:t>
             </a:r>
             <a:r>
               <a:rPr lang="en-US" sz="2400" dirty="0" err="1"/>
@@ -8543,7 +8825,7 @@
             </a:r>
             <a:r>
               <a:rPr lang="en-US" sz="2400" dirty="0"/>
-              <a:t> resource</a:t>
+              <a:t> resource </a:t>
             </a:r>
           </a:p>
         </p:txBody>
@@ -8661,7 +8943,7 @@
 </p:sld>
 </file>
 
-<file path=ppt/slides/slide6.xml><?xml version="1.0" encoding="utf-8"?>
+<file path=ppt/slides/slide7.xml><?xml version="1.0" encoding="utf-8"?>
 <p:sld xmlns:a="http://schemas.openxmlformats.org/drawingml/2006/main" xmlns:r="http://schemas.openxmlformats.org/officeDocument/2006/relationships" xmlns:p="http://schemas.openxmlformats.org/presentationml/2006/main">
   <p:cSld>
     <p:spTree>
@@ -8721,7 +9003,7 @@
 </p:sld>
 </file>
 
-<file path=ppt/slides/slide7.xml><?xml version="1.0" encoding="utf-8"?>
+<file path=ppt/slides/slide8.xml><?xml version="1.0" encoding="utf-8"?>
 <p:sld xmlns:a="http://schemas.openxmlformats.org/drawingml/2006/main" xmlns:r="http://schemas.openxmlformats.org/officeDocument/2006/relationships" xmlns:p="http://schemas.openxmlformats.org/presentationml/2006/main">
   <p:cSld>
     <p:bg>

--- a/keda.pptx
+++ b/keda.pptx
@@ -203,7 +203,7 @@
   <pc:docChgLst>
     <pc:chgData name="Adina Diana Cohen" userId="cf14e8af-0b22-4bdd-940c-c9b2fee0768e" providerId="ADAL" clId="{7A1D851A-9ACC-4B33-94BC-14294AEA305A}"/>
     <pc:docChg chg="undo custSel addSld delSld modSld sldOrd modSection">
-      <pc:chgData name="Adina Diana Cohen" userId="cf14e8af-0b22-4bdd-940c-c9b2fee0768e" providerId="ADAL" clId="{7A1D851A-9ACC-4B33-94BC-14294AEA305A}" dt="2023-09-11T09:06:24.820" v="715" actId="1076"/>
+      <pc:chgData name="Adina Diana Cohen" userId="cf14e8af-0b22-4bdd-940c-c9b2fee0768e" providerId="ADAL" clId="{7A1D851A-9ACC-4B33-94BC-14294AEA305A}" dt="2023-09-11T14:03:52.015" v="726" actId="1076"/>
       <pc:docMkLst>
         <pc:docMk/>
       </pc:docMkLst>
@@ -223,7 +223,7 @@
         </pc:spChg>
       </pc:sldChg>
       <pc:sldChg chg="addSp delSp modSp mod">
-        <pc:chgData name="Adina Diana Cohen" userId="cf14e8af-0b22-4bdd-940c-c9b2fee0768e" providerId="ADAL" clId="{7A1D851A-9ACC-4B33-94BC-14294AEA305A}" dt="2023-09-11T08:00:28.377" v="677" actId="20577"/>
+        <pc:chgData name="Adina Diana Cohen" userId="cf14e8af-0b22-4bdd-940c-c9b2fee0768e" providerId="ADAL" clId="{7A1D851A-9ACC-4B33-94BC-14294AEA305A}" dt="2023-09-11T14:03:52.015" v="726" actId="1076"/>
         <pc:sldMkLst>
           <pc:docMk/>
           <pc:sldMk cId="4012476588" sldId="919"/>
@@ -260,12 +260,28 @@
             <ac:picMk id="5" creationId="{BD80EC16-FC2F-C156-40F0-819A8CDCB746}"/>
           </ac:picMkLst>
         </pc:picChg>
+        <pc:picChg chg="add">
+          <ac:chgData name="Adina Diana Cohen" userId="cf14e8af-0b22-4bdd-940c-c9b2fee0768e" providerId="ADAL" clId="{7A1D851A-9ACC-4B33-94BC-14294AEA305A}" dt="2023-09-11T14:02:48.569" v="716" actId="22"/>
+          <ac:picMkLst>
+            <pc:docMk/>
+            <pc:sldMk cId="4012476588" sldId="919"/>
+            <ac:picMk id="7" creationId="{A1BD7FF3-0528-5BBC-62B7-6B72548A7E41}"/>
+          </ac:picMkLst>
+        </pc:picChg>
         <pc:picChg chg="add del mod">
           <ac:chgData name="Adina Diana Cohen" userId="cf14e8af-0b22-4bdd-940c-c9b2fee0768e" providerId="ADAL" clId="{7A1D851A-9ACC-4B33-94BC-14294AEA305A}" dt="2023-09-10T12:27:56.236" v="433" actId="478"/>
           <ac:picMkLst>
             <pc:docMk/>
             <pc:sldMk cId="4012476588" sldId="919"/>
             <ac:picMk id="8" creationId="{6E4C256D-1589-FE8E-827D-67235CA6FCC8}"/>
+          </ac:picMkLst>
+        </pc:picChg>
+        <pc:picChg chg="add">
+          <ac:chgData name="Adina Diana Cohen" userId="cf14e8af-0b22-4bdd-940c-c9b2fee0768e" providerId="ADAL" clId="{7A1D851A-9ACC-4B33-94BC-14294AEA305A}" dt="2023-09-11T14:02:51.897" v="718" actId="22"/>
+          <ac:picMkLst>
+            <pc:docMk/>
+            <pc:sldMk cId="4012476588" sldId="919"/>
+            <ac:picMk id="9" creationId="{69A41D17-0103-E6D5-623B-717A6B9D34AB}"/>
           </ac:picMkLst>
         </pc:picChg>
         <pc:picChg chg="add del mod">
@@ -276,12 +292,36 @@
             <ac:picMk id="10" creationId="{8E3D5398-7429-B78F-27D6-707CC5425841}"/>
           </ac:picMkLst>
         </pc:picChg>
-        <pc:picChg chg="add mod">
-          <ac:chgData name="Adina Diana Cohen" userId="cf14e8af-0b22-4bdd-940c-c9b2fee0768e" providerId="ADAL" clId="{7A1D851A-9ACC-4B33-94BC-14294AEA305A}" dt="2023-09-10T12:30:16.254" v="466" actId="1076"/>
+        <pc:picChg chg="add">
+          <ac:chgData name="Adina Diana Cohen" userId="cf14e8af-0b22-4bdd-940c-c9b2fee0768e" providerId="ADAL" clId="{7A1D851A-9ACC-4B33-94BC-14294AEA305A}" dt="2023-09-11T14:02:57.341" v="719" actId="22"/>
+          <ac:picMkLst>
+            <pc:docMk/>
+            <pc:sldMk cId="4012476588" sldId="919"/>
+            <ac:picMk id="11" creationId="{740DEA49-1AC8-6265-F44E-AC34BB031281}"/>
+          </ac:picMkLst>
+        </pc:picChg>
+        <pc:picChg chg="add del mod">
+          <ac:chgData name="Adina Diana Cohen" userId="cf14e8af-0b22-4bdd-940c-c9b2fee0768e" providerId="ADAL" clId="{7A1D851A-9ACC-4B33-94BC-14294AEA305A}" dt="2023-09-11T14:02:50.499" v="717" actId="478"/>
           <ac:picMkLst>
             <pc:docMk/>
             <pc:sldMk cId="4012476588" sldId="919"/>
             <ac:picMk id="12" creationId="{445777EE-C76A-89DC-8E48-23F8D8A86C36}"/>
+          </ac:picMkLst>
+        </pc:picChg>
+        <pc:picChg chg="add del">
+          <ac:chgData name="Adina Diana Cohen" userId="cf14e8af-0b22-4bdd-940c-c9b2fee0768e" providerId="ADAL" clId="{7A1D851A-9ACC-4B33-94BC-14294AEA305A}" dt="2023-09-11T14:03:04.558" v="721" actId="22"/>
+          <ac:picMkLst>
+            <pc:docMk/>
+            <pc:sldMk cId="4012476588" sldId="919"/>
+            <ac:picMk id="14" creationId="{C7821974-1E85-8404-913B-17A6CC780D7D}"/>
+          </ac:picMkLst>
+        </pc:picChg>
+        <pc:picChg chg="add mod">
+          <ac:chgData name="Adina Diana Cohen" userId="cf14e8af-0b22-4bdd-940c-c9b2fee0768e" providerId="ADAL" clId="{7A1D851A-9ACC-4B33-94BC-14294AEA305A}" dt="2023-09-11T14:03:52.015" v="726" actId="1076"/>
+          <ac:picMkLst>
+            <pc:docMk/>
+            <pc:sldMk cId="4012476588" sldId="919"/>
+            <ac:picMk id="16" creationId="{648A07FF-8572-28B8-292A-E9EF03FEAC7A}"/>
           </ac:picMkLst>
         </pc:picChg>
       </pc:sldChg>
@@ -8902,10 +8942,10 @@
       </p:sp>
       <p:pic>
         <p:nvPicPr>
-          <p:cNvPr id="12" name="Picture 11">
+          <p:cNvPr id="7" name="Picture 6">
             <a:extLst>
               <a:ext uri="{FF2B5EF4-FFF2-40B4-BE49-F238E27FC236}">
-                <a16:creationId xmlns:a16="http://schemas.microsoft.com/office/drawing/2014/main" id="{445777EE-C76A-89DC-8E48-23F8D8A86C36}"/>
+                <a16:creationId xmlns:a16="http://schemas.microsoft.com/office/drawing/2014/main" id="{A1BD7FF3-0528-5BBC-62B7-6B72548A7E41}"/>
               </a:ext>
             </a:extLst>
           </p:cNvPr>
@@ -8922,8 +8962,98 @@
         </p:blipFill>
         <p:spPr>
           <a:xfrm>
-            <a:off x="2835738" y="2360451"/>
-            <a:ext cx="3553035" cy="2137098"/>
+            <a:off x="6095995" y="3428997"/>
+            <a:ext cx="10" cy="5"/>
+          </a:xfrm>
+          <a:prstGeom prst="rect">
+            <a:avLst/>
+          </a:prstGeom>
+        </p:spPr>
+      </p:pic>
+      <p:pic>
+        <p:nvPicPr>
+          <p:cNvPr id="9" name="Picture 8">
+            <a:extLst>
+              <a:ext uri="{FF2B5EF4-FFF2-40B4-BE49-F238E27FC236}">
+                <a16:creationId xmlns:a16="http://schemas.microsoft.com/office/drawing/2014/main" id="{69A41D17-0103-E6D5-623B-717A6B9D34AB}"/>
+              </a:ext>
+            </a:extLst>
+          </p:cNvPr>
+          <p:cNvPicPr>
+            <a:picLocks noChangeAspect="1"/>
+          </p:cNvPicPr>
+          <p:nvPr/>
+        </p:nvPicPr>
+        <p:blipFill>
+          <a:blip r:embed="rId3"/>
+          <a:stretch>
+            <a:fillRect/>
+          </a:stretch>
+        </p:blipFill>
+        <p:spPr>
+          <a:xfrm>
+            <a:off x="6095995" y="3428997"/>
+            <a:ext cx="10" cy="5"/>
+          </a:xfrm>
+          <a:prstGeom prst="rect">
+            <a:avLst/>
+          </a:prstGeom>
+        </p:spPr>
+      </p:pic>
+      <p:pic>
+        <p:nvPicPr>
+          <p:cNvPr id="11" name="Picture 10">
+            <a:extLst>
+              <a:ext uri="{FF2B5EF4-FFF2-40B4-BE49-F238E27FC236}">
+                <a16:creationId xmlns:a16="http://schemas.microsoft.com/office/drawing/2014/main" id="{740DEA49-1AC8-6265-F44E-AC34BB031281}"/>
+              </a:ext>
+            </a:extLst>
+          </p:cNvPr>
+          <p:cNvPicPr>
+            <a:picLocks noChangeAspect="1"/>
+          </p:cNvPicPr>
+          <p:nvPr/>
+        </p:nvPicPr>
+        <p:blipFill>
+          <a:blip r:embed="rId3"/>
+          <a:stretch>
+            <a:fillRect/>
+          </a:stretch>
+        </p:blipFill>
+        <p:spPr>
+          <a:xfrm>
+            <a:off x="6095995" y="3428997"/>
+            <a:ext cx="10" cy="5"/>
+          </a:xfrm>
+          <a:prstGeom prst="rect">
+            <a:avLst/>
+          </a:prstGeom>
+        </p:spPr>
+      </p:pic>
+      <p:pic>
+        <p:nvPicPr>
+          <p:cNvPr id="16" name="Picture 15">
+            <a:extLst>
+              <a:ext uri="{FF2B5EF4-FFF2-40B4-BE49-F238E27FC236}">
+                <a16:creationId xmlns:a16="http://schemas.microsoft.com/office/drawing/2014/main" id="{648A07FF-8572-28B8-292A-E9EF03FEAC7A}"/>
+              </a:ext>
+            </a:extLst>
+          </p:cNvPr>
+          <p:cNvPicPr>
+            <a:picLocks noChangeAspect="1"/>
+          </p:cNvPicPr>
+          <p:nvPr/>
+        </p:nvPicPr>
+        <p:blipFill>
+          <a:blip r:embed="rId4"/>
+          <a:stretch>
+            <a:fillRect/>
+          </a:stretch>
+        </p:blipFill>
+        <p:spPr>
+          <a:xfrm>
+            <a:off x="2770402" y="2364274"/>
+            <a:ext cx="3923696" cy="2083266"/>
           </a:xfrm>
           <a:prstGeom prst="rect">
             <a:avLst/>
@@ -9682,21 +9812,6 @@
 </file>
 
 <file path=customXml/item1.xml><?xml version="1.0" encoding="utf-8"?>
-<p:properties xmlns:p="http://schemas.microsoft.com/office/2006/metadata/properties" xmlns:xsi="http://www.w3.org/2001/XMLSchema-instance" xmlns:pc="http://schemas.microsoft.com/office/infopath/2007/PartnerControls">
-  <documentManagement/>
-</p:properties>
-</file>
-
-<file path=customXml/item2.xml><?xml version="1.0" encoding="utf-8"?>
-<?mso-contentType ?>
-<FormTemplates xmlns="http://schemas.microsoft.com/sharepoint/v3/contenttype/forms">
-  <Display>DocumentLibraryForm</Display>
-  <Edit>DocumentLibraryForm</Edit>
-  <New>DocumentLibraryForm</New>
-</FormTemplates>
-</file>
-
-<file path=customXml/item3.xml><?xml version="1.0" encoding="utf-8"?>
 <ct:contentTypeSchema xmlns:ct="http://schemas.microsoft.com/office/2006/metadata/contentType" xmlns:ma="http://schemas.microsoft.com/office/2006/metadata/properties/metaAttributes" ct:_="" ma:_="" ma:contentTypeName="Document" ma:contentTypeID="0x0101002F8C640EA6DE6C4297C2B9751F463444" ma:contentTypeVersion="2" ma:contentTypeDescription="Create a new document." ma:contentTypeScope="" ma:versionID="63fac527f6ff8a9f2e013b12d719f8af">
   <xsd:schema xmlns:xsd="http://www.w3.org/2001/XMLSchema" xmlns:xs="http://www.w3.org/2001/XMLSchema" xmlns:p="http://schemas.microsoft.com/office/2006/metadata/properties" xmlns:ns2="1bfb3ba0-8d1b-4665-a821-356ff3557654" targetNamespace="http://schemas.microsoft.com/office/2006/metadata/properties" ma:root="true" ma:fieldsID="428cc22d1330572d9f80afb751911365" ns2:_="">
     <xsd:import namespace="1bfb3ba0-8d1b-4665-a821-356ff3557654"/>
@@ -9828,7 +9943,48 @@
 </ct:contentTypeSchema>
 </file>
 
+<file path=customXml/item2.xml><?xml version="1.0" encoding="utf-8"?>
+<?mso-contentType ?>
+<FormTemplates xmlns="http://schemas.microsoft.com/sharepoint/v3/contenttype/forms">
+  <Display>DocumentLibraryForm</Display>
+  <Edit>DocumentLibraryForm</Edit>
+  <New>DocumentLibraryForm</New>
+</FormTemplates>
+</file>
+
+<file path=customXml/item3.xml><?xml version="1.0" encoding="utf-8"?>
+<p:properties xmlns:p="http://schemas.microsoft.com/office/2006/metadata/properties" xmlns:xsi="http://www.w3.org/2001/XMLSchema-instance" xmlns:pc="http://schemas.microsoft.com/office/infopath/2007/PartnerControls">
+  <documentManagement/>
+</p:properties>
+</file>
+
 <file path=customXml/itemProps1.xml><?xml version="1.0" encoding="utf-8"?>
+<ds:datastoreItem xmlns:ds="http://schemas.openxmlformats.org/officeDocument/2006/customXml" ds:itemID="{7B706577-D009-4299-8F76-E8492B39E380}">
+  <ds:schemaRefs>
+    <ds:schemaRef ds:uri="http://schemas.microsoft.com/office/2006/metadata/contentType"/>
+    <ds:schemaRef ds:uri="http://schemas.microsoft.com/office/2006/metadata/properties/metaAttributes"/>
+    <ds:schemaRef ds:uri="http://www.w3.org/2001/XMLSchema"/>
+    <ds:schemaRef ds:uri="http://schemas.microsoft.com/office/2006/metadata/properties"/>
+    <ds:schemaRef ds:uri="1bfb3ba0-8d1b-4665-a821-356ff3557654"/>
+    <ds:schemaRef ds:uri="http://schemas.microsoft.com/office/2006/documentManagement/types"/>
+    <ds:schemaRef ds:uri="http://schemas.microsoft.com/office/infopath/2007/PartnerControls"/>
+    <ds:schemaRef ds:uri="http://schemas.openxmlformats.org/package/2006/metadata/core-properties"/>
+    <ds:schemaRef ds:uri="http://purl.org/dc/elements/1.1/"/>
+    <ds:schemaRef ds:uri="http://purl.org/dc/terms/"/>
+    <ds:schemaRef ds:uri="http://schemas.microsoft.com/internal/obd"/>
+  </ds:schemaRefs>
+</ds:datastoreItem>
+</file>
+
+<file path=customXml/itemProps2.xml><?xml version="1.0" encoding="utf-8"?>
+<ds:datastoreItem xmlns:ds="http://schemas.openxmlformats.org/officeDocument/2006/customXml" ds:itemID="{8BA85E2F-5763-4226-ADFC-573DE95CF0A9}">
+  <ds:schemaRefs>
+    <ds:schemaRef ds:uri="http://schemas.microsoft.com/sharepoint/v3/contenttype/forms"/>
+  </ds:schemaRefs>
+</ds:datastoreItem>
+</file>
+
+<file path=customXml/itemProps3.xml><?xml version="1.0" encoding="utf-8"?>
 <ds:datastoreItem xmlns:ds="http://schemas.openxmlformats.org/officeDocument/2006/customXml" ds:itemID="{4AFC1068-B199-4318-9EF7-21699976EF44}">
   <ds:schemaRefs>
     <ds:schemaRef ds:uri="2c5cce00-52a1-4876-9ee4-eb68d33be899"/>
@@ -9844,30 +10000,4 @@
     <ds:schemaRef ds:uri="http://www.w3.org/XML/1998/namespace"/>
   </ds:schemaRefs>
 </ds:datastoreItem>
-</file>
-
-<file path=customXml/itemProps2.xml><?xml version="1.0" encoding="utf-8"?>
-<ds:datastoreItem xmlns:ds="http://schemas.openxmlformats.org/officeDocument/2006/customXml" ds:itemID="{8BA85E2F-5763-4226-ADFC-573DE95CF0A9}">
-  <ds:schemaRefs>
-    <ds:schemaRef ds:uri="http://schemas.microsoft.com/sharepoint/v3/contenttype/forms"/>
-  </ds:schemaRefs>
-</ds:datastoreItem>
-</file>
-
-<file path=customXml/itemProps3.xml><?xml version="1.0" encoding="utf-8"?>
-<ds:datastoreItem xmlns:ds="http://schemas.openxmlformats.org/officeDocument/2006/customXml" ds:itemID="{7B706577-D009-4299-8F76-E8492B39E380}">
-  <ds:schemaRefs>
-    <ds:schemaRef ds:uri="http://schemas.microsoft.com/office/2006/metadata/contentType"/>
-    <ds:schemaRef ds:uri="http://schemas.microsoft.com/office/2006/metadata/properties/metaAttributes"/>
-    <ds:schemaRef ds:uri="http://www.w3.org/2001/XMLSchema"/>
-    <ds:schemaRef ds:uri="http://schemas.microsoft.com/office/2006/metadata/properties"/>
-    <ds:schemaRef ds:uri="1bfb3ba0-8d1b-4665-a821-356ff3557654"/>
-    <ds:schemaRef ds:uri="http://schemas.microsoft.com/office/2006/documentManagement/types"/>
-    <ds:schemaRef ds:uri="http://schemas.microsoft.com/office/infopath/2007/PartnerControls"/>
-    <ds:schemaRef ds:uri="http://schemas.openxmlformats.org/package/2006/metadata/core-properties"/>
-    <ds:schemaRef ds:uri="http://purl.org/dc/elements/1.1/"/>
-    <ds:schemaRef ds:uri="http://purl.org/dc/terms/"/>
-    <ds:schemaRef ds:uri="http://schemas.microsoft.com/internal/obd"/>
-  </ds:schemaRefs>
-</ds:datastoreItem>
 </file>
--- a/keda.pptx
+++ b/keda.pptx
@@ -193,7 +193,7 @@
 <file path=ppt/revisionInfo.xml><?xml version="1.0" encoding="utf-8"?>
 <p1510:revInfo xmlns:a="http://schemas.openxmlformats.org/drawingml/2006/main" xmlns:r="http://schemas.openxmlformats.org/officeDocument/2006/relationships" xmlns:p1510="http://schemas.microsoft.com/office/powerpoint/2015/10/main">
   <p1510:revLst>
-    <p1510:client id="{7A1D851A-9ACC-4B33-94BC-14294AEA305A}" v="7" dt="2023-09-11T07:52:42.385"/>
+    <p1510:client id="{7A1D851A-9ACC-4B33-94BC-14294AEA305A}" v="9" dt="2023-09-13T11:45:22.904"/>
   </p1510:revLst>
 </p1510:revInfo>
 </file>
@@ -203,7 +203,7 @@
   <pc:docChgLst>
     <pc:chgData name="Adina Diana Cohen" userId="cf14e8af-0b22-4bdd-940c-c9b2fee0768e" providerId="ADAL" clId="{7A1D851A-9ACC-4B33-94BC-14294AEA305A}"/>
     <pc:docChg chg="undo custSel addSld delSld modSld sldOrd modSection">
-      <pc:chgData name="Adina Diana Cohen" userId="cf14e8af-0b22-4bdd-940c-c9b2fee0768e" providerId="ADAL" clId="{7A1D851A-9ACC-4B33-94BC-14294AEA305A}" dt="2023-09-11T14:03:52.015" v="726" actId="1076"/>
+      <pc:chgData name="Adina Diana Cohen" userId="cf14e8af-0b22-4bdd-940c-c9b2fee0768e" providerId="ADAL" clId="{7A1D851A-9ACC-4B33-94BC-14294AEA305A}" dt="2023-09-13T11:45:30.929" v="729" actId="1076"/>
       <pc:docMkLst>
         <pc:docMk/>
       </pc:docMkLst>
@@ -223,7 +223,7 @@
         </pc:spChg>
       </pc:sldChg>
       <pc:sldChg chg="addSp delSp modSp mod">
-        <pc:chgData name="Adina Diana Cohen" userId="cf14e8af-0b22-4bdd-940c-c9b2fee0768e" providerId="ADAL" clId="{7A1D851A-9ACC-4B33-94BC-14294AEA305A}" dt="2023-09-11T14:03:52.015" v="726" actId="1076"/>
+        <pc:chgData name="Adina Diana Cohen" userId="cf14e8af-0b22-4bdd-940c-c9b2fee0768e" providerId="ADAL" clId="{7A1D851A-9ACC-4B33-94BC-14294AEA305A}" dt="2023-09-13T11:45:30.929" v="729" actId="1076"/>
         <pc:sldMkLst>
           <pc:docMk/>
           <pc:sldMk cId="4012476588" sldId="919"/>
@@ -237,7 +237,7 @@
           </ac:spMkLst>
         </pc:spChg>
         <pc:spChg chg="mod">
-          <ac:chgData name="Adina Diana Cohen" userId="cf14e8af-0b22-4bdd-940c-c9b2fee0768e" providerId="ADAL" clId="{7A1D851A-9ACC-4B33-94BC-14294AEA305A}" dt="2023-09-11T08:00:28.377" v="677" actId="20577"/>
+          <ac:chgData name="Adina Diana Cohen" userId="cf14e8af-0b22-4bdd-940c-c9b2fee0768e" providerId="ADAL" clId="{7A1D851A-9ACC-4B33-94BC-14294AEA305A}" dt="2023-09-13T11:45:30.929" v="729" actId="1076"/>
           <ac:spMkLst>
             <pc:docMk/>
             <pc:sldMk cId="4012476588" sldId="919"/>
@@ -726,7 +726,7 @@
           <a:p>
             <a:fld id="{B1B213C9-D556-43CA-AF8B-5EE96B7BE14A}" type="datetimeFigureOut">
               <a:rPr lang="LID4096" smtClean="0"/>
-              <a:t>09/11/2023</a:t>
+              <a:t>09/13/2023</a:t>
             </a:fld>
             <a:endParaRPr lang="LID4096"/>
           </a:p>
@@ -8835,7 +8835,7 @@
         </p:nvSpPr>
         <p:spPr>
           <a:xfrm>
-            <a:off x="549117" y="4621553"/>
+            <a:off x="549117" y="4493725"/>
             <a:ext cx="10161917" cy="1278915"/>
           </a:xfrm>
         </p:spPr>
@@ -9812,6 +9812,15 @@
 </file>
 
 <file path=customXml/item1.xml><?xml version="1.0" encoding="utf-8"?>
+<?mso-contentType ?>
+<FormTemplates xmlns="http://schemas.microsoft.com/sharepoint/v3/contenttype/forms">
+  <Display>DocumentLibraryForm</Display>
+  <Edit>DocumentLibraryForm</Edit>
+  <New>DocumentLibraryForm</New>
+</FormTemplates>
+</file>
+
+<file path=customXml/item2.xml><?xml version="1.0" encoding="utf-8"?>
 <ct:contentTypeSchema xmlns:ct="http://schemas.microsoft.com/office/2006/metadata/contentType" xmlns:ma="http://schemas.microsoft.com/office/2006/metadata/properties/metaAttributes" ct:_="" ma:_="" ma:contentTypeName="Document" ma:contentTypeID="0x0101002F8C640EA6DE6C4297C2B9751F463444" ma:contentTypeVersion="2" ma:contentTypeDescription="Create a new document." ma:contentTypeScope="" ma:versionID="63fac527f6ff8a9f2e013b12d719f8af">
   <xsd:schema xmlns:xsd="http://www.w3.org/2001/XMLSchema" xmlns:xs="http://www.w3.org/2001/XMLSchema" xmlns:p="http://schemas.microsoft.com/office/2006/metadata/properties" xmlns:ns2="1bfb3ba0-8d1b-4665-a821-356ff3557654" targetNamespace="http://schemas.microsoft.com/office/2006/metadata/properties" ma:root="true" ma:fieldsID="428cc22d1330572d9f80afb751911365" ns2:_="">
     <xsd:import namespace="1bfb3ba0-8d1b-4665-a821-356ff3557654"/>
@@ -9943,15 +9952,6 @@
 </ct:contentTypeSchema>
 </file>
 
-<file path=customXml/item2.xml><?xml version="1.0" encoding="utf-8"?>
-<?mso-contentType ?>
-<FormTemplates xmlns="http://schemas.microsoft.com/sharepoint/v3/contenttype/forms">
-  <Display>DocumentLibraryForm</Display>
-  <Edit>DocumentLibraryForm</Edit>
-  <New>DocumentLibraryForm</New>
-</FormTemplates>
-</file>
-
 <file path=customXml/item3.xml><?xml version="1.0" encoding="utf-8"?>
 <p:properties xmlns:p="http://schemas.microsoft.com/office/2006/metadata/properties" xmlns:xsi="http://www.w3.org/2001/XMLSchema-instance" xmlns:pc="http://schemas.microsoft.com/office/infopath/2007/PartnerControls">
   <documentManagement/>
@@ -9959,6 +9959,14 @@
 </file>
 
 <file path=customXml/itemProps1.xml><?xml version="1.0" encoding="utf-8"?>
+<ds:datastoreItem xmlns:ds="http://schemas.openxmlformats.org/officeDocument/2006/customXml" ds:itemID="{8BA85E2F-5763-4226-ADFC-573DE95CF0A9}">
+  <ds:schemaRefs>
+    <ds:schemaRef ds:uri="http://schemas.microsoft.com/sharepoint/v3/contenttype/forms"/>
+  </ds:schemaRefs>
+</ds:datastoreItem>
+</file>
+
+<file path=customXml/itemProps2.xml><?xml version="1.0" encoding="utf-8"?>
 <ds:datastoreItem xmlns:ds="http://schemas.openxmlformats.org/officeDocument/2006/customXml" ds:itemID="{7B706577-D009-4299-8F76-E8492B39E380}">
   <ds:schemaRefs>
     <ds:schemaRef ds:uri="http://schemas.microsoft.com/office/2006/metadata/contentType"/>
@@ -9976,28 +9984,18 @@
 </ds:datastoreItem>
 </file>
 
-<file path=customXml/itemProps2.xml><?xml version="1.0" encoding="utf-8"?>
-<ds:datastoreItem xmlns:ds="http://schemas.openxmlformats.org/officeDocument/2006/customXml" ds:itemID="{8BA85E2F-5763-4226-ADFC-573DE95CF0A9}">
-  <ds:schemaRefs>
-    <ds:schemaRef ds:uri="http://schemas.microsoft.com/sharepoint/v3/contenttype/forms"/>
-  </ds:schemaRefs>
-</ds:datastoreItem>
-</file>
-
 <file path=customXml/itemProps3.xml><?xml version="1.0" encoding="utf-8"?>
 <ds:datastoreItem xmlns:ds="http://schemas.openxmlformats.org/officeDocument/2006/customXml" ds:itemID="{4AFC1068-B199-4318-9EF7-21699976EF44}">
   <ds:schemaRefs>
-    <ds:schemaRef ds:uri="2c5cce00-52a1-4876-9ee4-eb68d33be899"/>
-    <ds:schemaRef ds:uri="581397e1-fd22-4b01-ba49-28f70b1d046e"/>
+    <ds:schemaRef ds:uri="http://schemas.microsoft.com/office/2006/documentManagement/types"/>
+    <ds:schemaRef ds:uri="http://www.w3.org/XML/1998/namespace"/>
+    <ds:schemaRef ds:uri="http://schemas.microsoft.com/office/2006/metadata/properties"/>
+    <ds:schemaRef ds:uri="http://purl.org/dc/terms/"/>
+    <ds:schemaRef ds:uri="http://purl.org/dc/elements/1.1/"/>
+    <ds:schemaRef ds:uri="1bfb3ba0-8d1b-4665-a821-356ff3557654"/>
+    <ds:schemaRef ds:uri="http://schemas.microsoft.com/office/infopath/2007/PartnerControls"/>
+    <ds:schemaRef ds:uri="http://schemas.openxmlformats.org/package/2006/metadata/core-properties"/>
     <ds:schemaRef ds:uri="http://purl.org/dc/dcmitype/"/>
-    <ds:schemaRef ds:uri="http://purl.org/dc/elements/1.1/"/>
-    <ds:schemaRef ds:uri="http://purl.org/dc/terms/"/>
-    <ds:schemaRef ds:uri="http://schemas.microsoft.com/office/2006/documentManagement/types"/>
-    <ds:schemaRef ds:uri="http://schemas.microsoft.com/office/2006/metadata/properties"/>
-    <ds:schemaRef ds:uri="http://schemas.microsoft.com/office/infopath/2007/PartnerControls"/>
-    <ds:schemaRef ds:uri="http://schemas.microsoft.com/sharepoint/v3"/>
-    <ds:schemaRef ds:uri="http://schemas.openxmlformats.org/package/2006/metadata/core-properties"/>
-    <ds:schemaRef ds:uri="http://www.w3.org/XML/1998/namespace"/>
   </ds:schemaRefs>
 </ds:datastoreItem>
 </file>